--- a/doc/Task07/sequenzdiagramm.pptx
+++ b/doc/Task07/sequenzdiagramm.pptx
@@ -107,7 +107,7 @@
   </p:defaultTextStyle>
   <p:extLst>
     <p:ext uri="{EFAFB233-063F-42B5-8137-9DF3F51BA10A}">
-      <p15:sldGuideLst xmlns:p15="http://schemas.microsoft.com/office/powerpoint/2012/main">
+      <p15:sldGuideLst xmlns="" xmlns:p15="http://schemas.microsoft.com/office/powerpoint/2012/main">
         <p15:guide id="1" orient="horz" pos="2160">
           <p15:clr>
             <a:srgbClr val="A4A3A4"/>
@@ -305,7 +305,7 @@
           <a:p>
             <a:fld id="{BA759448-4020-4154-96C5-32359420A77A}" type="datetimeFigureOut">
               <a:rPr lang="de-CH" smtClean="0"/>
-              <a:t>26.10.2015</a:t>
+              <a:t>30.10.2015</a:t>
             </a:fld>
             <a:endParaRPr lang="de-CH"/>
           </a:p>
@@ -475,7 +475,7 @@
           <a:p>
             <a:fld id="{BA759448-4020-4154-96C5-32359420A77A}" type="datetimeFigureOut">
               <a:rPr lang="de-CH" smtClean="0"/>
-              <a:t>26.10.2015</a:t>
+              <a:t>30.10.2015</a:t>
             </a:fld>
             <a:endParaRPr lang="de-CH"/>
           </a:p>
@@ -655,7 +655,7 @@
           <a:p>
             <a:fld id="{BA759448-4020-4154-96C5-32359420A77A}" type="datetimeFigureOut">
               <a:rPr lang="de-CH" smtClean="0"/>
-              <a:t>26.10.2015</a:t>
+              <a:t>30.10.2015</a:t>
             </a:fld>
             <a:endParaRPr lang="de-CH"/>
           </a:p>
@@ -825,7 +825,7 @@
           <a:p>
             <a:fld id="{BA759448-4020-4154-96C5-32359420A77A}" type="datetimeFigureOut">
               <a:rPr lang="de-CH" smtClean="0"/>
-              <a:t>26.10.2015</a:t>
+              <a:t>30.10.2015</a:t>
             </a:fld>
             <a:endParaRPr lang="de-CH"/>
           </a:p>
@@ -1071,7 +1071,7 @@
           <a:p>
             <a:fld id="{BA759448-4020-4154-96C5-32359420A77A}" type="datetimeFigureOut">
               <a:rPr lang="de-CH" smtClean="0"/>
-              <a:t>26.10.2015</a:t>
+              <a:t>30.10.2015</a:t>
             </a:fld>
             <a:endParaRPr lang="de-CH"/>
           </a:p>
@@ -1359,7 +1359,7 @@
           <a:p>
             <a:fld id="{BA759448-4020-4154-96C5-32359420A77A}" type="datetimeFigureOut">
               <a:rPr lang="de-CH" smtClean="0"/>
-              <a:t>26.10.2015</a:t>
+              <a:t>30.10.2015</a:t>
             </a:fld>
             <a:endParaRPr lang="de-CH"/>
           </a:p>
@@ -1781,7 +1781,7 @@
           <a:p>
             <a:fld id="{BA759448-4020-4154-96C5-32359420A77A}" type="datetimeFigureOut">
               <a:rPr lang="de-CH" smtClean="0"/>
-              <a:t>26.10.2015</a:t>
+              <a:t>30.10.2015</a:t>
             </a:fld>
             <a:endParaRPr lang="de-CH"/>
           </a:p>
@@ -1899,7 +1899,7 @@
           <a:p>
             <a:fld id="{BA759448-4020-4154-96C5-32359420A77A}" type="datetimeFigureOut">
               <a:rPr lang="de-CH" smtClean="0"/>
-              <a:t>26.10.2015</a:t>
+              <a:t>30.10.2015</a:t>
             </a:fld>
             <a:endParaRPr lang="de-CH"/>
           </a:p>
@@ -1994,7 +1994,7 @@
           <a:p>
             <a:fld id="{BA759448-4020-4154-96C5-32359420A77A}" type="datetimeFigureOut">
               <a:rPr lang="de-CH" smtClean="0"/>
-              <a:t>26.10.2015</a:t>
+              <a:t>30.10.2015</a:t>
             </a:fld>
             <a:endParaRPr lang="de-CH"/>
           </a:p>
@@ -2271,7 +2271,7 @@
           <a:p>
             <a:fld id="{BA759448-4020-4154-96C5-32359420A77A}" type="datetimeFigureOut">
               <a:rPr lang="de-CH" smtClean="0"/>
-              <a:t>26.10.2015</a:t>
+              <a:t>30.10.2015</a:t>
             </a:fld>
             <a:endParaRPr lang="de-CH"/>
           </a:p>
@@ -2524,7 +2524,7 @@
           <a:p>
             <a:fld id="{BA759448-4020-4154-96C5-32359420A77A}" type="datetimeFigureOut">
               <a:rPr lang="de-CH" smtClean="0"/>
-              <a:t>26.10.2015</a:t>
+              <a:t>30.10.2015</a:t>
             </a:fld>
             <a:endParaRPr lang="de-CH"/>
           </a:p>
@@ -2737,7 +2737,7 @@
           <a:p>
             <a:fld id="{BA759448-4020-4154-96C5-32359420A77A}" type="datetimeFigureOut">
               <a:rPr lang="de-CH" smtClean="0"/>
-              <a:t>26.10.2015</a:t>
+              <a:t>30.10.2015</a:t>
             </a:fld>
             <a:endParaRPr lang="de-CH"/>
           </a:p>
@@ -3112,6 +3112,39 @@
           <a:chExt cx="0" cy="0"/>
         </a:xfrm>
       </p:grpSpPr>
+      <p:cxnSp>
+        <p:nvCxnSpPr>
+          <p:cNvPr id="54" name="Gerade Verbindung 50"/>
+          <p:cNvCxnSpPr/>
+          <p:nvPr/>
+        </p:nvCxnSpPr>
+        <p:spPr>
+          <a:xfrm>
+            <a:off x="1399075" y="863339"/>
+            <a:ext cx="11585" cy="5664375"/>
+          </a:xfrm>
+          <a:prstGeom prst="line">
+            <a:avLst/>
+          </a:prstGeom>
+          <a:ln>
+            <a:prstDash val="dash"/>
+          </a:ln>
+        </p:spPr>
+        <p:style>
+          <a:lnRef idx="1">
+            <a:schemeClr val="accent1"/>
+          </a:lnRef>
+          <a:fillRef idx="0">
+            <a:schemeClr val="accent1"/>
+          </a:fillRef>
+          <a:effectRef idx="0">
+            <a:schemeClr val="accent1"/>
+          </a:effectRef>
+          <a:fontRef idx="minor">
+            <a:schemeClr val="tx1"/>
+          </a:fontRef>
+        </p:style>
+      </p:cxnSp>
       <p:sp>
         <p:nvSpPr>
           <p:cNvPr id="14" name="Rechteck 13"/>
@@ -3121,7 +3154,7 @@
         <p:spPr>
           <a:xfrm>
             <a:off x="1340024" y="1356725"/>
-            <a:ext cx="139058" cy="4056779"/>
+            <a:ext cx="144016" cy="5096611"/>
           </a:xfrm>
           <a:prstGeom prst="rect">
             <a:avLst/>
@@ -3194,11 +3227,7 @@
             </a:r>
             <a:r>
               <a:rPr lang="de-CH" dirty="0" smtClean="0"/>
-              <a:t>: </a:t>
-            </a:r>
-            <a:r>
-              <a:rPr lang="de-CH" dirty="0" smtClean="0"/>
-              <a:t>Termine</a:t>
+              <a:t>: Termine</a:t>
             </a:r>
             <a:endParaRPr lang="de-CH" dirty="0"/>
           </a:p>
@@ -3245,8 +3274,8 @@
         </p:nvSpPr>
         <p:spPr>
           <a:xfrm>
-            <a:off x="2934905" y="1401044"/>
-            <a:ext cx="93078" cy="2887610"/>
+            <a:off x="2934905" y="1477512"/>
+            <a:ext cx="97649" cy="3935992"/>
           </a:xfrm>
           <a:prstGeom prst="rect">
             <a:avLst/>
@@ -3277,76 +3306,22 @@
           </a:p>
         </p:txBody>
       </p:sp>
-      <p:sp>
-        <p:nvSpPr>
-          <p:cNvPr id="23" name="Rechteck 22"/>
-          <p:cNvSpPr/>
-          <p:nvPr/>
-        </p:nvSpPr>
-        <p:spPr>
-          <a:xfrm>
-            <a:off x="6444208" y="302391"/>
-            <a:ext cx="2201621" cy="504056"/>
-          </a:xfrm>
-          <a:prstGeom prst="rect">
-            <a:avLst/>
-          </a:prstGeom>
-        </p:spPr>
-        <p:style>
-          <a:lnRef idx="2">
-            <a:schemeClr val="accent1">
-              <a:shade val="50000"/>
-            </a:schemeClr>
-          </a:lnRef>
-          <a:fillRef idx="1">
-            <a:schemeClr val="accent1"/>
-          </a:fillRef>
-          <a:effectRef idx="0">
-            <a:schemeClr val="accent1"/>
-          </a:effectRef>
-          <a:fontRef idx="minor">
-            <a:schemeClr val="lt1"/>
-          </a:fontRef>
-        </p:style>
-        <p:txBody>
-          <a:bodyPr rtlCol="0" anchor="ctr"/>
-          <a:lstStyle/>
-          <a:p>
-            <a:pPr algn="ctr"/>
-            <a:r>
-              <a:rPr lang="de-CH" dirty="0" smtClean="0"/>
-              <a:t>TC</a:t>
-            </a:r>
-            <a:r>
-              <a:rPr lang="de-CH" dirty="0" smtClean="0"/>
-              <a:t>: </a:t>
-            </a:r>
-            <a:r>
-              <a:rPr lang="de-CH" dirty="0" err="1" smtClean="0"/>
-              <a:t>Timecheck</a:t>
-            </a:r>
-            <a:endParaRPr lang="de-CH" dirty="0"/>
-          </a:p>
-        </p:txBody>
-      </p:sp>
       <p:cxnSp>
         <p:nvCxnSpPr>
-          <p:cNvPr id="24" name="Gerade Verbindung 23"/>
-          <p:cNvCxnSpPr>
-            <a:stCxn id="23" idx="2"/>
-          </p:cNvCxnSpPr>
+          <p:cNvPr id="39" name="Gerade Verbindung mit Pfeil 38"/>
+          <p:cNvCxnSpPr/>
           <p:nvPr/>
         </p:nvCxnSpPr>
         <p:spPr>
           <a:xfrm>
-            <a:off x="7545019" y="806447"/>
-            <a:ext cx="0" cy="5646889"/>
-          </a:xfrm>
-          <a:prstGeom prst="line">
+            <a:off x="1484040" y="1515561"/>
+            <a:ext cx="1450865" cy="0"/>
+          </a:xfrm>
+          <a:prstGeom prst="straightConnector1">
             <a:avLst/>
           </a:prstGeom>
           <a:ln>
-            <a:prstDash val="dash"/>
+            <a:tailEnd type="arrow"/>
           </a:ln>
         </p:spPr>
         <p:style>
@@ -3364,39 +3339,6 @@
           </a:fontRef>
         </p:style>
       </p:cxnSp>
-      <p:cxnSp>
-        <p:nvCxnSpPr>
-          <p:cNvPr id="39" name="Gerade Verbindung mit Pfeil 38"/>
-          <p:cNvCxnSpPr/>
-          <p:nvPr/>
-        </p:nvCxnSpPr>
-        <p:spPr>
-          <a:xfrm>
-            <a:off x="1484040" y="1515561"/>
-            <a:ext cx="1450865" cy="0"/>
-          </a:xfrm>
-          <a:prstGeom prst="straightConnector1">
-            <a:avLst/>
-          </a:prstGeom>
-          <a:ln>
-            <a:tailEnd type="arrow"/>
-          </a:ln>
-        </p:spPr>
-        <p:style>
-          <a:lnRef idx="1">
-            <a:schemeClr val="accent1"/>
-          </a:lnRef>
-          <a:fillRef idx="0">
-            <a:schemeClr val="accent1"/>
-          </a:fillRef>
-          <a:effectRef idx="0">
-            <a:schemeClr val="accent1"/>
-          </a:effectRef>
-          <a:fontRef idx="minor">
-            <a:schemeClr val="tx1"/>
-          </a:fontRef>
-        </p:style>
-      </p:cxnSp>
       <p:sp>
         <p:nvSpPr>
           <p:cNvPr id="42" name="Textfeld 41"/>
@@ -3423,7 +3365,6 @@
               <a:rPr lang="de-CH" sz="1200" dirty="0"/>
               <a:t>New Meeting</a:t>
             </a:r>
-            <a:endParaRPr lang="de-CH" sz="1200" dirty="0"/>
           </a:p>
         </p:txBody>
       </p:sp>
@@ -3435,7 +3376,7 @@
         </p:nvSpPr>
         <p:spPr>
           <a:xfrm>
-            <a:off x="1491708" y="2737120"/>
+            <a:off x="6561454" y="2964394"/>
             <a:ext cx="1394922" cy="276999"/>
           </a:xfrm>
           <a:prstGeom prst="rect">
@@ -3459,11 +3400,7 @@
             </a:r>
             <a:r>
               <a:rPr lang="de-CH" sz="1200" dirty="0" smtClean="0"/>
-              <a:t> </a:t>
-            </a:r>
-            <a:r>
-              <a:rPr lang="de-CH" sz="1200" dirty="0" smtClean="0"/>
-              <a:t>OK] </a:t>
+              <a:t> OK] </a:t>
             </a:r>
             <a:endParaRPr lang="de-CH" sz="1200" dirty="0"/>
           </a:p>
@@ -3587,7 +3524,7 @@
         </p:nvCxnSpPr>
         <p:spPr>
           <a:xfrm>
-            <a:off x="3010091" y="788961"/>
+            <a:off x="2986074" y="841144"/>
             <a:ext cx="11585" cy="5664375"/>
           </a:xfrm>
           <a:prstGeom prst="line">
@@ -3612,39 +3549,6 @@
           </a:fontRef>
         </p:style>
       </p:cxnSp>
-      <p:cxnSp>
-        <p:nvCxnSpPr>
-          <p:cNvPr id="62" name="Gerade Verbindung mit Pfeil 61"/>
-          <p:cNvCxnSpPr/>
-          <p:nvPr/>
-        </p:nvCxnSpPr>
-        <p:spPr>
-          <a:xfrm>
-            <a:off x="4847309" y="2004798"/>
-            <a:ext cx="2605011" cy="0"/>
-          </a:xfrm>
-          <a:prstGeom prst="straightConnector1">
-            <a:avLst/>
-          </a:prstGeom>
-          <a:ln>
-            <a:tailEnd type="arrow"/>
-          </a:ln>
-        </p:spPr>
-        <p:style>
-          <a:lnRef idx="1">
-            <a:schemeClr val="accent1"/>
-          </a:lnRef>
-          <a:fillRef idx="0">
-            <a:schemeClr val="accent1"/>
-          </a:fillRef>
-          <a:effectRef idx="0">
-            <a:schemeClr val="accent1"/>
-          </a:effectRef>
-          <a:fontRef idx="minor">
-            <a:schemeClr val="tx1"/>
-          </a:fontRef>
-        </p:style>
-      </p:cxnSp>
       <p:sp>
         <p:nvSpPr>
           <p:cNvPr id="64" name="Rechteck 63"/>
@@ -3653,8 +3557,8 @@
         </p:nvSpPr>
         <p:spPr>
           <a:xfrm>
-            <a:off x="4784843" y="1491012"/>
-            <a:ext cx="182119" cy="2546536"/>
+            <a:off x="4784844" y="1708885"/>
+            <a:ext cx="182117" cy="3540563"/>
           </a:xfrm>
           <a:prstGeom prst="rect">
             <a:avLst/>
@@ -3687,88 +3591,14 @@
       </p:sp>
       <p:cxnSp>
         <p:nvCxnSpPr>
-          <p:cNvPr id="65" name="Gerade Verbindung mit Pfeil 64"/>
-          <p:cNvCxnSpPr/>
-          <p:nvPr/>
-        </p:nvCxnSpPr>
-        <p:spPr>
-          <a:xfrm flipH="1">
-            <a:off x="4951140" y="2429887"/>
-            <a:ext cx="2520280" cy="1"/>
-          </a:xfrm>
-          <a:prstGeom prst="straightConnector1">
-            <a:avLst/>
-          </a:prstGeom>
-          <a:ln>
-            <a:prstDash val="dash"/>
-            <a:tailEnd type="arrow"/>
-          </a:ln>
-        </p:spPr>
-        <p:style>
-          <a:lnRef idx="1">
-            <a:schemeClr val="accent1"/>
-          </a:lnRef>
-          <a:fillRef idx="0">
-            <a:schemeClr val="accent1"/>
-          </a:fillRef>
-          <a:effectRef idx="0">
-            <a:schemeClr val="accent1"/>
-          </a:effectRef>
-          <a:fontRef idx="minor">
-            <a:schemeClr val="tx1"/>
-          </a:fontRef>
-        </p:style>
-      </p:cxnSp>
-      <p:sp>
-        <p:nvSpPr>
-          <p:cNvPr id="66" name="Rechteck 65"/>
-          <p:cNvSpPr/>
-          <p:nvPr/>
-        </p:nvSpPr>
-        <p:spPr>
-          <a:xfrm>
-            <a:off x="7471420" y="1869422"/>
-            <a:ext cx="147195" cy="695482"/>
-          </a:xfrm>
-          <a:prstGeom prst="rect">
-            <a:avLst/>
-          </a:prstGeom>
-        </p:spPr>
-        <p:style>
-          <a:lnRef idx="2">
-            <a:schemeClr val="accent1">
-              <a:shade val="50000"/>
-            </a:schemeClr>
-          </a:lnRef>
-          <a:fillRef idx="1">
-            <a:schemeClr val="accent1"/>
-          </a:fillRef>
-          <a:effectRef idx="0">
-            <a:schemeClr val="accent1"/>
-          </a:effectRef>
-          <a:fontRef idx="minor">
-            <a:schemeClr val="lt1"/>
-          </a:fontRef>
-        </p:style>
-        <p:txBody>
-          <a:bodyPr rtlCol="0" anchor="ctr"/>
-          <a:lstStyle/>
-          <a:p>
-            <a:pPr algn="ctr"/>
-            <a:endParaRPr lang="de-CH"/>
-          </a:p>
-        </p:txBody>
-      </p:sp>
-      <p:cxnSp>
-        <p:nvCxnSpPr>
           <p:cNvPr id="69" name="Gerade Verbindung mit Pfeil 68"/>
           <p:cNvCxnSpPr/>
           <p:nvPr/>
         </p:nvCxnSpPr>
         <p:spPr>
           <a:xfrm flipH="1">
-            <a:off x="3083114" y="2888710"/>
-            <a:ext cx="1751473" cy="1"/>
+            <a:off x="3032554" y="3136453"/>
+            <a:ext cx="1802034" cy="1"/>
           </a:xfrm>
           <a:prstGeom prst="straightConnector1">
             <a:avLst/>
@@ -3801,7 +3631,7 @@
         </p:nvCxnSpPr>
         <p:spPr>
           <a:xfrm>
-            <a:off x="3060414" y="3348746"/>
+            <a:off x="3060414" y="3596489"/>
             <a:ext cx="1724430" cy="0"/>
           </a:xfrm>
           <a:prstGeom prst="straightConnector1">
@@ -3893,7 +3723,7 @@
         </p:nvCxnSpPr>
         <p:spPr>
           <a:xfrm flipH="1">
-            <a:off x="3039870" y="5223421"/>
+            <a:off x="3032554" y="5249447"/>
             <a:ext cx="1727153" cy="1"/>
           </a:xfrm>
           <a:prstGeom prst="straightConnector1">
@@ -3927,7 +3757,7 @@
         </p:nvSpPr>
         <p:spPr>
           <a:xfrm>
-            <a:off x="1552681" y="4863205"/>
+            <a:off x="6561454" y="4541612"/>
             <a:ext cx="1394922" cy="276999"/>
           </a:xfrm>
           <a:prstGeom prst="rect">
@@ -3973,8 +3803,8 @@
         </p:nvSpPr>
         <p:spPr>
           <a:xfrm>
-            <a:off x="1185872" y="2621647"/>
-            <a:ext cx="6770504" cy="3039342"/>
+            <a:off x="1185872" y="2924943"/>
+            <a:ext cx="6770504" cy="2692861"/>
           </a:xfrm>
           <a:prstGeom prst="rect">
             <a:avLst/>
@@ -4019,7 +3849,7 @@
         </p:nvSpPr>
         <p:spPr>
           <a:xfrm>
-            <a:off x="1185872" y="2621646"/>
+            <a:off x="1192642" y="2924944"/>
             <a:ext cx="360039" cy="288032"/>
           </a:xfrm>
           <a:prstGeom prst="rect">
@@ -4087,11 +3917,7 @@
             </a:r>
             <a:r>
               <a:rPr lang="de-CH" sz="1200" dirty="0" smtClean="0"/>
-              <a:t>,</a:t>
-            </a:r>
-            <a:r>
-              <a:rPr lang="de-CH" sz="1200" dirty="0" smtClean="0"/>
-              <a:t> </a:t>
+              <a:t>, </a:t>
             </a:r>
             <a:r>
               <a:rPr lang="de-CH" sz="1200" dirty="0" err="1" smtClean="0"/>
@@ -4113,7 +3939,7 @@
         </p:nvSpPr>
         <p:spPr>
           <a:xfrm>
-            <a:off x="5378319" y="1531582"/>
+            <a:off x="5436096" y="2177324"/>
             <a:ext cx="1505272" cy="461665"/>
           </a:xfrm>
           <a:prstGeom prst="rect">
@@ -4133,11 +3959,7 @@
             </a:r>
             <a:r>
               <a:rPr lang="de-CH" sz="1200" dirty="0" smtClean="0"/>
-              <a:t> </a:t>
-            </a:r>
-            <a:r>
-              <a:rPr lang="de-CH" sz="1200" dirty="0" smtClean="0"/>
-              <a:t>(</a:t>
+              <a:t> (</a:t>
             </a:r>
             <a:r>
               <a:rPr lang="de-CH" sz="1200" dirty="0"/>
@@ -4157,13 +3979,13 @@
       </p:sp>
       <p:sp>
         <p:nvSpPr>
-          <p:cNvPr id="58" name="Textfeld 57"/>
+          <p:cNvPr id="59" name="Textfeld 58"/>
           <p:cNvSpPr txBox="1"/>
           <p:nvPr/>
         </p:nvSpPr>
         <p:spPr>
           <a:xfrm>
-            <a:off x="5364088" y="2094582"/>
+            <a:off x="3147435" y="2924944"/>
             <a:ext cx="1505272" cy="276999"/>
           </a:xfrm>
           <a:prstGeom prst="rect">
@@ -4178,8 +4000,8 @@
           <a:lstStyle/>
           <a:p>
             <a:r>
-              <a:rPr lang="de-CH" sz="1200" dirty="0" err="1" smtClean="0"/>
-              <a:t>verification</a:t>
+              <a:rPr lang="de-CH" sz="1200" dirty="0" smtClean="0"/>
+              <a:t>Meeting OK</a:t>
             </a:r>
             <a:endParaRPr lang="de-CH" sz="1200" dirty="0"/>
           </a:p>
@@ -4187,13 +4009,13 @@
       </p:sp>
       <p:sp>
         <p:nvSpPr>
-          <p:cNvPr id="59" name="Textfeld 58"/>
+          <p:cNvPr id="60" name="Textfeld 59"/>
           <p:cNvSpPr txBox="1"/>
           <p:nvPr/>
         </p:nvSpPr>
         <p:spPr>
           <a:xfrm>
-            <a:off x="3147435" y="2598620"/>
+            <a:off x="3244342" y="4972448"/>
             <a:ext cx="1505272" cy="276999"/>
           </a:xfrm>
           <a:prstGeom prst="rect">
@@ -4209,41 +4031,7 @@
           <a:p>
             <a:r>
               <a:rPr lang="de-CH" sz="1200" dirty="0" smtClean="0"/>
-              <a:t>Meeting OK</a:t>
-            </a:r>
-            <a:endParaRPr lang="de-CH" sz="1200" dirty="0"/>
-          </a:p>
-        </p:txBody>
-      </p:sp>
-      <p:sp>
-        <p:nvSpPr>
-          <p:cNvPr id="60" name="Textfeld 59"/>
-          <p:cNvSpPr txBox="1"/>
-          <p:nvPr/>
-        </p:nvSpPr>
-        <p:spPr>
-          <a:xfrm>
-            <a:off x="3244342" y="4930160"/>
-            <a:ext cx="1505272" cy="276999"/>
-          </a:xfrm>
-          <a:prstGeom prst="rect">
-            <a:avLst/>
-          </a:prstGeom>
-          <a:noFill/>
-        </p:spPr>
-        <p:txBody>
-          <a:bodyPr wrap="square" rtlCol="0">
-            <a:spAutoFit/>
-          </a:bodyPr>
-          <a:lstStyle/>
-          <a:p>
-            <a:r>
-              <a:rPr lang="de-CH" sz="1200" dirty="0" smtClean="0"/>
-              <a:t>Error </a:t>
-            </a:r>
-            <a:r>
-              <a:rPr lang="de-CH" sz="1200" dirty="0" smtClean="0"/>
-              <a:t>(Time Error) </a:t>
+              <a:t>Error (Time Error) </a:t>
             </a:r>
             <a:endParaRPr lang="de-CH" sz="1200" dirty="0"/>
           </a:p>
@@ -4257,25 +4045,23 @@
         </p:nvCxnSpPr>
         <p:spPr>
           <a:xfrm>
-            <a:off x="1379395" y="4529087"/>
-            <a:ext cx="6433755" cy="12525"/>
+            <a:off x="1185872" y="4529087"/>
+            <a:ext cx="6770504" cy="12525"/>
           </a:xfrm>
           <a:prstGeom prst="line">
             <a:avLst/>
           </a:prstGeom>
-          <a:ln>
-            <a:prstDash val="dash"/>
-          </a:ln>
+          <a:ln/>
         </p:spPr>
         <p:style>
-          <a:lnRef idx="1">
-            <a:schemeClr val="accent1"/>
+          <a:lnRef idx="2">
+            <a:schemeClr val="dk1"/>
           </a:lnRef>
           <a:fillRef idx="0">
-            <a:schemeClr val="accent1"/>
+            <a:schemeClr val="dk1"/>
           </a:fillRef>
-          <a:effectRef idx="0">
-            <a:schemeClr val="accent1"/>
+          <a:effectRef idx="1">
+            <a:schemeClr val="dk1"/>
           </a:effectRef>
           <a:fontRef idx="minor">
             <a:schemeClr val="tx1"/>
@@ -4290,7 +4076,7 @@
         </p:nvSpPr>
         <p:spPr>
           <a:xfrm>
-            <a:off x="3268505" y="3863540"/>
+            <a:off x="3268505" y="4111283"/>
             <a:ext cx="1314402" cy="276999"/>
           </a:xfrm>
           <a:prstGeom prst="rect">
@@ -4320,7 +4106,7 @@
         </p:nvSpPr>
         <p:spPr>
           <a:xfrm>
-            <a:off x="3259110" y="3338812"/>
+            <a:off x="3259110" y="3586555"/>
             <a:ext cx="1314402" cy="276999"/>
           </a:xfrm>
           <a:prstGeom prst="rect">
@@ -4350,7 +4136,7 @@
         </p:nvCxnSpPr>
         <p:spPr>
           <a:xfrm flipH="1">
-            <a:off x="3004554" y="3882149"/>
+            <a:off x="3004554" y="4129892"/>
             <a:ext cx="1751473" cy="1"/>
           </a:xfrm>
           <a:prstGeom prst="straightConnector1">
@@ -4378,14 +4164,14 @@
       </p:cxnSp>
       <p:sp>
         <p:nvSpPr>
-          <p:cNvPr id="53" name="Rechteck 52"/>
+          <p:cNvPr id="35" name="Rechteck 34"/>
           <p:cNvSpPr/>
           <p:nvPr/>
         </p:nvSpPr>
         <p:spPr>
           <a:xfrm>
-            <a:off x="4836385" y="4551334"/>
-            <a:ext cx="114755" cy="862171"/>
+            <a:off x="4893762" y="2204864"/>
+            <a:ext cx="182122" cy="417454"/>
           </a:xfrm>
           <a:prstGeom prst="rect">
             <a:avLst/>
@@ -4418,20 +4204,25 @@
       </p:sp>
       <p:cxnSp>
         <p:nvCxnSpPr>
-          <p:cNvPr id="54" name="Gerade Verbindung 50"/>
-          <p:cNvCxnSpPr/>
+          <p:cNvPr id="26" name="Gewinkelte Verbindung 25"/>
+          <p:cNvCxnSpPr>
+            <a:endCxn id="35" idx="3"/>
+          </p:cNvCxnSpPr>
           <p:nvPr/>
         </p:nvCxnSpPr>
         <p:spPr>
-          <a:xfrm>
-            <a:off x="1399075" y="863339"/>
-            <a:ext cx="11585" cy="5664375"/>
-          </a:xfrm>
-          <a:prstGeom prst="line">
-            <a:avLst/>
+          <a:xfrm rot="16200000" flipH="1">
+            <a:off x="4745970" y="2083676"/>
+            <a:ext cx="568767" cy="91061"/>
+          </a:xfrm>
+          <a:prstGeom prst="bentConnector4">
+            <a:avLst>
+              <a:gd name="adj1" fmla="val 31651"/>
+              <a:gd name="adj2" fmla="val 351041"/>
+            </a:avLst>
           </a:prstGeom>
           <a:ln>
-            <a:prstDash val="dash"/>
+            <a:tailEnd type="arrow"/>
           </a:ln>
         </p:spPr>
         <p:style>
@@ -4449,6 +4240,134 @@
           </a:fontRef>
         </p:style>
       </p:cxnSp>
+      <p:cxnSp>
+        <p:nvCxnSpPr>
+          <p:cNvPr id="66" name="Gerade Verbindung mit Pfeil 65"/>
+          <p:cNvCxnSpPr/>
+          <p:nvPr/>
+        </p:nvCxnSpPr>
+        <p:spPr>
+          <a:xfrm flipH="1">
+            <a:off x="3048817" y="2780928"/>
+            <a:ext cx="1727153" cy="1"/>
+          </a:xfrm>
+          <a:prstGeom prst="straightConnector1">
+            <a:avLst/>
+          </a:prstGeom>
+          <a:ln>
+            <a:prstDash val="dash"/>
+            <a:tailEnd type="arrow"/>
+          </a:ln>
+        </p:spPr>
+        <p:style>
+          <a:lnRef idx="1">
+            <a:schemeClr val="accent1"/>
+          </a:lnRef>
+          <a:fillRef idx="0">
+            <a:schemeClr val="accent1"/>
+          </a:fillRef>
+          <a:effectRef idx="0">
+            <a:schemeClr val="accent1"/>
+          </a:effectRef>
+          <a:fontRef idx="minor">
+            <a:schemeClr val="tx1"/>
+          </a:fontRef>
+        </p:style>
+      </p:cxnSp>
+      <p:sp>
+        <p:nvSpPr>
+          <p:cNvPr id="67" name="Textfeld 66"/>
+          <p:cNvSpPr txBox="1"/>
+          <p:nvPr/>
+        </p:nvSpPr>
+        <p:spPr>
+          <a:xfrm>
+            <a:off x="3268505" y="2483818"/>
+            <a:ext cx="1394922" cy="276999"/>
+          </a:xfrm>
+          <a:prstGeom prst="rect">
+            <a:avLst/>
+          </a:prstGeom>
+          <a:noFill/>
+        </p:spPr>
+        <p:txBody>
+          <a:bodyPr wrap="square" rtlCol="0">
+            <a:spAutoFit/>
+          </a:bodyPr>
+          <a:lstStyle/>
+          <a:p>
+            <a:r>
+              <a:rPr lang="de-CH" sz="1200" dirty="0" err="1" smtClean="0"/>
+              <a:t>verification</a:t>
+            </a:r>
+            <a:endParaRPr lang="de-CH" sz="1200" dirty="0"/>
+          </a:p>
+        </p:txBody>
+      </p:sp>
+      <p:cxnSp>
+        <p:nvCxnSpPr>
+          <p:cNvPr id="74" name="Gerade Verbindung mit Pfeil 73"/>
+          <p:cNvCxnSpPr/>
+          <p:nvPr/>
+        </p:nvCxnSpPr>
+        <p:spPr>
+          <a:xfrm flipH="1">
+            <a:off x="1484040" y="5373216"/>
+            <a:ext cx="1407478" cy="0"/>
+          </a:xfrm>
+          <a:prstGeom prst="straightConnector1">
+            <a:avLst/>
+          </a:prstGeom>
+          <a:ln>
+            <a:prstDash val="dash"/>
+            <a:tailEnd type="arrow"/>
+          </a:ln>
+        </p:spPr>
+        <p:style>
+          <a:lnRef idx="1">
+            <a:schemeClr val="accent1"/>
+          </a:lnRef>
+          <a:fillRef idx="0">
+            <a:schemeClr val="accent1"/>
+          </a:fillRef>
+          <a:effectRef idx="0">
+            <a:schemeClr val="accent1"/>
+          </a:effectRef>
+          <a:fontRef idx="minor">
+            <a:schemeClr val="tx1"/>
+          </a:fontRef>
+        </p:style>
+      </p:cxnSp>
+      <p:sp>
+        <p:nvSpPr>
+          <p:cNvPr id="75" name="Textfeld 74"/>
+          <p:cNvSpPr txBox="1"/>
+          <p:nvPr/>
+        </p:nvSpPr>
+        <p:spPr>
+          <a:xfrm>
+            <a:off x="1554560" y="5157192"/>
+            <a:ext cx="1505272" cy="276999"/>
+          </a:xfrm>
+          <a:prstGeom prst="rect">
+            <a:avLst/>
+          </a:prstGeom>
+          <a:noFill/>
+        </p:spPr>
+        <p:txBody>
+          <a:bodyPr wrap="square" rtlCol="0">
+            <a:spAutoFit/>
+          </a:bodyPr>
+          <a:lstStyle/>
+          <a:p>
+            <a:r>
+              <a:rPr lang="de-CH" sz="1200" dirty="0" smtClean="0"/>
+              <a:t>Error (Time Error) </a:t>
+            </a:r>
+            <a:endParaRPr lang="de-CH" sz="1200" dirty="0"/>
+          </a:p>
+        </p:txBody>
+      </p:sp>
     </p:spTree>
     <p:extLst>
       <p:ext uri="{BB962C8B-B14F-4D97-AF65-F5344CB8AC3E}">
@@ -4486,6 +4405,39 @@
           <a:chExt cx="0" cy="0"/>
         </a:xfrm>
       </p:grpSpPr>
+      <p:cxnSp>
+        <p:nvCxnSpPr>
+          <p:cNvPr id="54" name="Gerade Verbindung 50"/>
+          <p:cNvCxnSpPr/>
+          <p:nvPr/>
+        </p:nvCxnSpPr>
+        <p:spPr>
+          <a:xfrm>
+            <a:off x="1399075" y="834724"/>
+            <a:ext cx="11585" cy="5664375"/>
+          </a:xfrm>
+          <a:prstGeom prst="line">
+            <a:avLst/>
+          </a:prstGeom>
+          <a:ln>
+            <a:prstDash val="dash"/>
+          </a:ln>
+        </p:spPr>
+        <p:style>
+          <a:lnRef idx="1">
+            <a:schemeClr val="accent1"/>
+          </a:lnRef>
+          <a:fillRef idx="0">
+            <a:schemeClr val="accent1"/>
+          </a:fillRef>
+          <a:effectRef idx="0">
+            <a:schemeClr val="accent1"/>
+          </a:effectRef>
+          <a:fontRef idx="minor">
+            <a:schemeClr val="tx1"/>
+          </a:fontRef>
+        </p:style>
+      </p:cxnSp>
       <p:sp>
         <p:nvSpPr>
           <p:cNvPr id="14" name="Rechteck 13"/>
@@ -4494,8 +4446,8 @@
         </p:nvSpPr>
         <p:spPr>
           <a:xfrm>
-            <a:off x="1340024" y="1356725"/>
-            <a:ext cx="139058" cy="4056779"/>
+            <a:off x="1340025" y="980727"/>
+            <a:ext cx="99128" cy="5518371"/>
           </a:xfrm>
           <a:prstGeom prst="rect">
             <a:avLst/>
@@ -4568,11 +4520,7 @@
             </a:r>
             <a:r>
               <a:rPr lang="de-CH" dirty="0" smtClean="0"/>
-              <a:t>: </a:t>
-            </a:r>
-            <a:r>
-              <a:rPr lang="de-CH" dirty="0" smtClean="0"/>
-              <a:t>Termine</a:t>
+              <a:t>: Termine</a:t>
             </a:r>
             <a:endParaRPr lang="de-CH" dirty="0"/>
           </a:p>
@@ -4619,8 +4567,8 @@
         </p:nvSpPr>
         <p:spPr>
           <a:xfrm>
-            <a:off x="2934905" y="1401044"/>
-            <a:ext cx="118550" cy="2294232"/>
+            <a:off x="2934905" y="1268760"/>
+            <a:ext cx="118550" cy="5184576"/>
           </a:xfrm>
           <a:prstGeom prst="rect">
             <a:avLst/>
@@ -4653,14 +4601,82 @@
       </p:sp>
       <p:sp>
         <p:nvSpPr>
-          <p:cNvPr id="23" name="Rechteck 22"/>
+          <p:cNvPr id="45" name="Textfeld 44"/>
+          <p:cNvSpPr txBox="1"/>
+          <p:nvPr/>
+        </p:nvSpPr>
+        <p:spPr>
+          <a:xfrm>
+            <a:off x="6156176" y="2632679"/>
+            <a:ext cx="1394922" cy="276999"/>
+          </a:xfrm>
+          <a:prstGeom prst="rect">
+            <a:avLst/>
+          </a:prstGeom>
+          <a:noFill/>
+        </p:spPr>
+        <p:txBody>
+          <a:bodyPr wrap="square" rtlCol="0">
+            <a:spAutoFit/>
+          </a:bodyPr>
+          <a:lstStyle/>
+          <a:p>
+            <a:r>
+              <a:rPr lang="de-CH" sz="1200" dirty="0" smtClean="0"/>
+              <a:t>[Meeting </a:t>
+            </a:r>
+            <a:r>
+              <a:rPr lang="de-CH" sz="1200" dirty="0" err="1" smtClean="0"/>
+              <a:t>soon</a:t>
+            </a:r>
+            <a:r>
+              <a:rPr lang="de-CH" sz="1200" dirty="0" smtClean="0"/>
+              <a:t>] </a:t>
+            </a:r>
+            <a:endParaRPr lang="de-CH" sz="1200" dirty="0"/>
+          </a:p>
+        </p:txBody>
+      </p:sp>
+      <p:sp>
+        <p:nvSpPr>
+          <p:cNvPr id="73" name="Textfeld 72"/>
+          <p:cNvSpPr txBox="1"/>
+          <p:nvPr/>
+        </p:nvSpPr>
+        <p:spPr>
+          <a:xfrm>
+            <a:off x="7545017" y="6535780"/>
+            <a:ext cx="1584176" cy="276999"/>
+          </a:xfrm>
+          <a:prstGeom prst="rect">
+            <a:avLst/>
+          </a:prstGeom>
+          <a:noFill/>
+        </p:spPr>
+        <p:txBody>
+          <a:bodyPr wrap="square" rtlCol="0">
+            <a:spAutoFit/>
+          </a:bodyPr>
+          <a:lstStyle/>
+          <a:p>
+            <a:r>
+              <a:rPr lang="de-CH" sz="1200" dirty="0" smtClean="0"/>
+              <a:t>alert</a:t>
+            </a:r>
+            <a:endParaRPr lang="de-CH" sz="1200" dirty="0" smtClean="0"/>
+          </a:p>
+        </p:txBody>
+      </p:sp>
+      <p:sp>
+        <p:nvSpPr>
+          <p:cNvPr id="47" name="Rechteck 46"/>
           <p:cNvSpPr/>
           <p:nvPr/>
         </p:nvSpPr>
         <p:spPr>
           <a:xfrm>
-            <a:off x="6444208" y="302391"/>
-            <a:ext cx="2201621" cy="504056"/>
+            <a:off x="2137464" y="322437"/>
+            <a:ext cx="1669921" cy="504056"/>
           </a:xfrm>
           <a:prstGeom prst="rect">
             <a:avLst/>
@@ -4688,161 +4704,6 @@
           <a:p>
             <a:pPr algn="ctr"/>
             <a:r>
-              <a:rPr lang="de-CH" dirty="0" smtClean="0"/>
-              <a:t>TC</a:t>
-            </a:r>
-            <a:r>
-              <a:rPr lang="de-CH" dirty="0" smtClean="0"/>
-              <a:t>: </a:t>
-            </a:r>
-            <a:r>
-              <a:rPr lang="de-CH" dirty="0" err="1" smtClean="0"/>
-              <a:t>Timecheck</a:t>
-            </a:r>
-            <a:endParaRPr lang="de-CH" dirty="0"/>
-          </a:p>
-        </p:txBody>
-      </p:sp>
-      <p:cxnSp>
-        <p:nvCxnSpPr>
-          <p:cNvPr id="24" name="Gerade Verbindung 23"/>
-          <p:cNvCxnSpPr>
-            <a:stCxn id="23" idx="2"/>
-          </p:cNvCxnSpPr>
-          <p:nvPr/>
-        </p:nvCxnSpPr>
-        <p:spPr>
-          <a:xfrm>
-            <a:off x="7545019" y="806447"/>
-            <a:ext cx="0" cy="5646889"/>
-          </a:xfrm>
-          <a:prstGeom prst="line">
-            <a:avLst/>
-          </a:prstGeom>
-          <a:ln>
-            <a:prstDash val="dash"/>
-          </a:ln>
-        </p:spPr>
-        <p:style>
-          <a:lnRef idx="1">
-            <a:schemeClr val="accent1"/>
-          </a:lnRef>
-          <a:fillRef idx="0">
-            <a:schemeClr val="accent1"/>
-          </a:fillRef>
-          <a:effectRef idx="0">
-            <a:schemeClr val="accent1"/>
-          </a:effectRef>
-          <a:fontRef idx="minor">
-            <a:schemeClr val="tx1"/>
-          </a:fontRef>
-        </p:style>
-      </p:cxnSp>
-      <p:sp>
-        <p:nvSpPr>
-          <p:cNvPr id="45" name="Textfeld 44"/>
-          <p:cNvSpPr txBox="1"/>
-          <p:nvPr/>
-        </p:nvSpPr>
-        <p:spPr>
-          <a:xfrm>
-            <a:off x="1491708" y="2737120"/>
-            <a:ext cx="1394922" cy="276999"/>
-          </a:xfrm>
-          <a:prstGeom prst="rect">
-            <a:avLst/>
-          </a:prstGeom>
-          <a:noFill/>
-        </p:spPr>
-        <p:txBody>
-          <a:bodyPr wrap="square" rtlCol="0">
-            <a:spAutoFit/>
-          </a:bodyPr>
-          <a:lstStyle/>
-          <a:p>
-            <a:r>
-              <a:rPr lang="de-CH" sz="1200" dirty="0" smtClean="0"/>
-              <a:t>[Meeting </a:t>
-            </a:r>
-            <a:r>
-              <a:rPr lang="de-CH" sz="1200" dirty="0" err="1" smtClean="0"/>
-              <a:t>soon</a:t>
-            </a:r>
-            <a:r>
-              <a:rPr lang="de-CH" sz="1200" dirty="0" smtClean="0"/>
-              <a:t>] </a:t>
-            </a:r>
-            <a:endParaRPr lang="de-CH" sz="1200" dirty="0"/>
-          </a:p>
-        </p:txBody>
-      </p:sp>
-      <p:sp>
-        <p:nvSpPr>
-          <p:cNvPr id="73" name="Textfeld 72"/>
-          <p:cNvSpPr txBox="1"/>
-          <p:nvPr/>
-        </p:nvSpPr>
-        <p:spPr>
-          <a:xfrm>
-            <a:off x="7545017" y="6535780"/>
-            <a:ext cx="1584176" cy="276999"/>
-          </a:xfrm>
-          <a:prstGeom prst="rect">
-            <a:avLst/>
-          </a:prstGeom>
-          <a:noFill/>
-        </p:spPr>
-        <p:txBody>
-          <a:bodyPr wrap="square" rtlCol="0">
-            <a:spAutoFit/>
-          </a:bodyPr>
-          <a:lstStyle/>
-          <a:p>
-            <a:r>
-              <a:rPr lang="de-CH" sz="1200" dirty="0" smtClean="0"/>
-              <a:t>alert</a:t>
-            </a:r>
-            <a:endParaRPr lang="de-CH" sz="1200" dirty="0" smtClean="0"/>
-          </a:p>
-        </p:txBody>
-      </p:sp>
-      <p:sp>
-        <p:nvSpPr>
-          <p:cNvPr id="47" name="Rechteck 46"/>
-          <p:cNvSpPr/>
-          <p:nvPr/>
-        </p:nvSpPr>
-        <p:spPr>
-          <a:xfrm>
-            <a:off x="2137464" y="322437"/>
-            <a:ext cx="1669921" cy="504056"/>
-          </a:xfrm>
-          <a:prstGeom prst="rect">
-            <a:avLst/>
-          </a:prstGeom>
-        </p:spPr>
-        <p:style>
-          <a:lnRef idx="2">
-            <a:schemeClr val="accent1">
-              <a:shade val="50000"/>
-            </a:schemeClr>
-          </a:lnRef>
-          <a:fillRef idx="1">
-            <a:schemeClr val="accent1"/>
-          </a:fillRef>
-          <a:effectRef idx="0">
-            <a:schemeClr val="accent1"/>
-          </a:effectRef>
-          <a:fontRef idx="minor">
-            <a:schemeClr val="lt1"/>
-          </a:fontRef>
-        </p:style>
-        <p:txBody>
-          <a:bodyPr rtlCol="0" anchor="ctr"/>
-          <a:lstStyle/>
-          <a:p>
-            <a:pPr algn="ctr"/>
-            <a:r>
               <a:rPr lang="de-CH" dirty="0"/>
               <a:t>K</a:t>
             </a:r>
@@ -4862,7 +4723,7 @@
         </p:nvCxnSpPr>
         <p:spPr>
           <a:xfrm>
-            <a:off x="3015297" y="1716766"/>
+            <a:off x="3015297" y="1556792"/>
             <a:ext cx="1769548" cy="0"/>
           </a:xfrm>
           <a:prstGeom prst="straightConnector1">
@@ -4920,39 +4781,6 @@
           </a:fontRef>
         </p:style>
       </p:cxnSp>
-      <p:cxnSp>
-        <p:nvCxnSpPr>
-          <p:cNvPr id="62" name="Gerade Verbindung mit Pfeil 61"/>
-          <p:cNvCxnSpPr/>
-          <p:nvPr/>
-        </p:nvCxnSpPr>
-        <p:spPr>
-          <a:xfrm>
-            <a:off x="4847309" y="2004798"/>
-            <a:ext cx="2605011" cy="0"/>
-          </a:xfrm>
-          <a:prstGeom prst="straightConnector1">
-            <a:avLst/>
-          </a:prstGeom>
-          <a:ln>
-            <a:tailEnd type="arrow"/>
-          </a:ln>
-        </p:spPr>
-        <p:style>
-          <a:lnRef idx="1">
-            <a:schemeClr val="accent1"/>
-          </a:lnRef>
-          <a:fillRef idx="0">
-            <a:schemeClr val="accent1"/>
-          </a:fillRef>
-          <a:effectRef idx="0">
-            <a:schemeClr val="accent1"/>
-          </a:effectRef>
-          <a:fontRef idx="minor">
-            <a:schemeClr val="tx1"/>
-          </a:fontRef>
-        </p:style>
-      </p:cxnSp>
       <p:sp>
         <p:nvSpPr>
           <p:cNvPr id="64" name="Rechteck 63"/>
@@ -4961,8 +4789,8 @@
         </p:nvSpPr>
         <p:spPr>
           <a:xfrm>
-            <a:off x="4784843" y="1491012"/>
-            <a:ext cx="190706" cy="1665555"/>
+            <a:off x="4784843" y="1545758"/>
+            <a:ext cx="147197" cy="3677663"/>
           </a:xfrm>
           <a:prstGeom prst="rect">
             <a:avLst/>
@@ -4993,40 +4821,6 @@
           </a:p>
         </p:txBody>
       </p:sp>
-      <p:cxnSp>
-        <p:nvCxnSpPr>
-          <p:cNvPr id="65" name="Gerade Verbindung mit Pfeil 64"/>
-          <p:cNvCxnSpPr/>
-          <p:nvPr/>
-        </p:nvCxnSpPr>
-        <p:spPr>
-          <a:xfrm flipH="1">
-            <a:off x="4951140" y="2429887"/>
-            <a:ext cx="2520280" cy="1"/>
-          </a:xfrm>
-          <a:prstGeom prst="straightConnector1">
-            <a:avLst/>
-          </a:prstGeom>
-          <a:ln>
-            <a:prstDash val="dash"/>
-            <a:tailEnd type="arrow"/>
-          </a:ln>
-        </p:spPr>
-        <p:style>
-          <a:lnRef idx="1">
-            <a:schemeClr val="accent1"/>
-          </a:lnRef>
-          <a:fillRef idx="0">
-            <a:schemeClr val="accent1"/>
-          </a:fillRef>
-          <a:effectRef idx="0">
-            <a:schemeClr val="accent1"/>
-          </a:effectRef>
-          <a:fontRef idx="minor">
-            <a:schemeClr val="tx1"/>
-          </a:fontRef>
-        </p:style>
-      </p:cxnSp>
       <p:sp>
         <p:nvSpPr>
           <p:cNvPr id="66" name="Rechteck 65"/>
@@ -5035,8 +4829,8 @@
         </p:nvSpPr>
         <p:spPr>
           <a:xfrm>
-            <a:off x="7471420" y="1869422"/>
-            <a:ext cx="147195" cy="695482"/>
+            <a:off x="4860032" y="2132856"/>
+            <a:ext cx="142983" cy="418095"/>
           </a:xfrm>
           <a:prstGeom prst="rect">
             <a:avLst/>
@@ -5104,15 +4898,13 @@
       <p:cxnSp>
         <p:nvCxnSpPr>
           <p:cNvPr id="72" name="Gerade Verbindung mit Pfeil 71"/>
-          <p:cNvCxnSpPr>
-            <a:endCxn id="14" idx="3"/>
-          </p:cNvCxnSpPr>
+          <p:cNvCxnSpPr/>
           <p:nvPr/>
         </p:nvCxnSpPr>
         <p:spPr>
           <a:xfrm flipH="1" flipV="1">
-            <a:off x="1479082" y="3385115"/>
-            <a:ext cx="1452701" cy="16102"/>
+            <a:off x="1439153" y="3393166"/>
+            <a:ext cx="1492632" cy="8051"/>
           </a:xfrm>
           <a:prstGeom prst="straightConnector1">
             <a:avLst/>
@@ -5237,7 +5029,7 @@
         </p:nvSpPr>
         <p:spPr>
           <a:xfrm>
-            <a:off x="1552681" y="4863205"/>
+            <a:off x="6012160" y="4437112"/>
             <a:ext cx="1394922" cy="276999"/>
           </a:xfrm>
           <a:prstGeom prst="rect">
@@ -5284,7 +5076,7 @@
         <p:spPr>
           <a:xfrm>
             <a:off x="1185872" y="2621646"/>
-            <a:ext cx="6770504" cy="2881641"/>
+            <a:ext cx="6122432" cy="2881641"/>
           </a:xfrm>
           <a:prstGeom prst="rect">
             <a:avLst/>
@@ -5373,7 +5165,7 @@
         </p:nvSpPr>
         <p:spPr>
           <a:xfrm>
-            <a:off x="3072555" y="1477513"/>
+            <a:off x="3072555" y="1268760"/>
             <a:ext cx="1654657" cy="276999"/>
           </a:xfrm>
           <a:prstGeom prst="rect">
@@ -5411,7 +5203,7 @@
         </p:nvSpPr>
         <p:spPr>
           <a:xfrm>
-            <a:off x="5386905" y="1336425"/>
+            <a:off x="5364088" y="1625529"/>
             <a:ext cx="1505272" cy="646331"/>
           </a:xfrm>
           <a:prstGeom prst="rect">
@@ -5435,11 +5227,7 @@
             </a:r>
             <a:r>
               <a:rPr lang="de-CH" sz="1200" dirty="0" smtClean="0"/>
-              <a:t>? </a:t>
-            </a:r>
-            <a:r>
-              <a:rPr lang="de-CH" sz="1200" dirty="0" smtClean="0"/>
-              <a:t>(</a:t>
+              <a:t>? (</a:t>
             </a:r>
             <a:r>
               <a:rPr lang="de-CH" sz="1200" dirty="0"/>
@@ -5456,36 +5244,6 @@
             <a:r>
               <a:rPr lang="de-CH" sz="1200" dirty="0" smtClean="0"/>
               <a:t> Time)</a:t>
-            </a:r>
-            <a:endParaRPr lang="de-CH" sz="1200" dirty="0"/>
-          </a:p>
-        </p:txBody>
-      </p:sp>
-      <p:sp>
-        <p:nvSpPr>
-          <p:cNvPr id="58" name="Textfeld 57"/>
-          <p:cNvSpPr txBox="1"/>
-          <p:nvPr/>
-        </p:nvSpPr>
-        <p:spPr>
-          <a:xfrm>
-            <a:off x="5364088" y="2094582"/>
-            <a:ext cx="1505272" cy="276999"/>
-          </a:xfrm>
-          <a:prstGeom prst="rect">
-            <a:avLst/>
-          </a:prstGeom>
-          <a:noFill/>
-        </p:spPr>
-        <p:txBody>
-          <a:bodyPr wrap="square" rtlCol="0">
-            <a:spAutoFit/>
-          </a:bodyPr>
-          <a:lstStyle/>
-          <a:p>
-            <a:r>
-              <a:rPr lang="de-CH" sz="1200" dirty="0" smtClean="0"/>
-              <a:t>Response</a:t>
             </a:r>
             <a:endParaRPr lang="de-CH" sz="1200" dirty="0"/>
           </a:p>
@@ -5566,26 +5324,25 @@
           <p:nvPr/>
         </p:nvCxnSpPr>
         <p:spPr>
-          <a:xfrm>
-            <a:off x="1379395" y="4529087"/>
-            <a:ext cx="6433755" cy="12525"/>
+          <a:xfrm flipV="1">
+            <a:off x="1185872" y="4437112"/>
+            <a:ext cx="6122432" cy="15986"/>
           </a:xfrm>
           <a:prstGeom prst="line">
             <a:avLst/>
           </a:prstGeom>
-          <a:ln>
-            <a:prstDash val="dash"/>
-          </a:ln>
+          <a:ln/>
+          <a:effectLst/>
         </p:spPr>
         <p:style>
-          <a:lnRef idx="1">
-            <a:schemeClr val="accent1"/>
+          <a:lnRef idx="2">
+            <a:schemeClr val="dk1"/>
           </a:lnRef>
           <a:fillRef idx="0">
-            <a:schemeClr val="accent1"/>
+            <a:schemeClr val="dk1"/>
           </a:fillRef>
-          <a:effectRef idx="0">
-            <a:schemeClr val="accent1"/>
+          <a:effectRef idx="1">
+            <a:schemeClr val="dk1"/>
           </a:effectRef>
           <a:fontRef idx="minor">
             <a:schemeClr val="tx1"/>
@@ -5630,62 +5387,25 @@
           </a:p>
         </p:txBody>
       </p:sp>
-      <p:sp>
-        <p:nvSpPr>
-          <p:cNvPr id="53" name="Rechteck 52"/>
-          <p:cNvSpPr/>
-          <p:nvPr/>
-        </p:nvSpPr>
-        <p:spPr>
-          <a:xfrm>
-            <a:off x="4836385" y="4551334"/>
-            <a:ext cx="114755" cy="862171"/>
-          </a:xfrm>
-          <a:prstGeom prst="rect">
-            <a:avLst/>
-          </a:prstGeom>
-        </p:spPr>
-        <p:style>
-          <a:lnRef idx="2">
-            <a:schemeClr val="accent1">
-              <a:shade val="50000"/>
-            </a:schemeClr>
-          </a:lnRef>
-          <a:fillRef idx="1">
-            <a:schemeClr val="accent1"/>
-          </a:fillRef>
-          <a:effectRef idx="0">
-            <a:schemeClr val="accent1"/>
-          </a:effectRef>
-          <a:fontRef idx="minor">
-            <a:schemeClr val="lt1"/>
-          </a:fontRef>
-        </p:style>
-        <p:txBody>
-          <a:bodyPr rtlCol="0" anchor="ctr"/>
-          <a:lstStyle/>
-          <a:p>
-            <a:pPr algn="ctr"/>
-            <a:endParaRPr lang="de-CH"/>
-          </a:p>
-        </p:txBody>
-      </p:sp>
       <p:cxnSp>
         <p:nvCxnSpPr>
-          <p:cNvPr id="54" name="Gerade Verbindung 50"/>
+          <p:cNvPr id="29" name="Gewinkelte Verbindung 28"/>
           <p:cNvCxnSpPr/>
           <p:nvPr/>
         </p:nvCxnSpPr>
         <p:spPr>
-          <a:xfrm>
-            <a:off x="1399075" y="863339"/>
-            <a:ext cx="11585" cy="5664375"/>
-          </a:xfrm>
-          <a:prstGeom prst="line">
-            <a:avLst/>
+          <a:xfrm rot="16200000" flipH="1">
+            <a:off x="4693187" y="1802942"/>
+            <a:ext cx="568767" cy="91061"/>
+          </a:xfrm>
+          <a:prstGeom prst="bentConnector4">
+            <a:avLst>
+              <a:gd name="adj1" fmla="val 31651"/>
+              <a:gd name="adj2" fmla="val 351041"/>
+            </a:avLst>
           </a:prstGeom>
           <a:ln>
-            <a:prstDash val="dash"/>
+            <a:tailEnd type="arrow"/>
           </a:ln>
         </p:spPr>
         <p:style>

--- a/doc/Task07/sequenzdiagramm.pptx
+++ b/doc/Task07/sequenzdiagramm.pptx
@@ -305,7 +305,7 @@
           <a:p>
             <a:fld id="{BA759448-4020-4154-96C5-32359420A77A}" type="datetimeFigureOut">
               <a:rPr lang="de-CH" smtClean="0"/>
-              <a:t>30.10.2015</a:t>
+              <a:t>05.11.2015</a:t>
             </a:fld>
             <a:endParaRPr lang="de-CH"/>
           </a:p>
@@ -475,7 +475,7 @@
           <a:p>
             <a:fld id="{BA759448-4020-4154-96C5-32359420A77A}" type="datetimeFigureOut">
               <a:rPr lang="de-CH" smtClean="0"/>
-              <a:t>30.10.2015</a:t>
+              <a:t>05.11.2015</a:t>
             </a:fld>
             <a:endParaRPr lang="de-CH"/>
           </a:p>
@@ -655,7 +655,7 @@
           <a:p>
             <a:fld id="{BA759448-4020-4154-96C5-32359420A77A}" type="datetimeFigureOut">
               <a:rPr lang="de-CH" smtClean="0"/>
-              <a:t>30.10.2015</a:t>
+              <a:t>05.11.2015</a:t>
             </a:fld>
             <a:endParaRPr lang="de-CH"/>
           </a:p>
@@ -825,7 +825,7 @@
           <a:p>
             <a:fld id="{BA759448-4020-4154-96C5-32359420A77A}" type="datetimeFigureOut">
               <a:rPr lang="de-CH" smtClean="0"/>
-              <a:t>30.10.2015</a:t>
+              <a:t>05.11.2015</a:t>
             </a:fld>
             <a:endParaRPr lang="de-CH"/>
           </a:p>
@@ -1071,7 +1071,7 @@
           <a:p>
             <a:fld id="{BA759448-4020-4154-96C5-32359420A77A}" type="datetimeFigureOut">
               <a:rPr lang="de-CH" smtClean="0"/>
-              <a:t>30.10.2015</a:t>
+              <a:t>05.11.2015</a:t>
             </a:fld>
             <a:endParaRPr lang="de-CH"/>
           </a:p>
@@ -1359,7 +1359,7 @@
           <a:p>
             <a:fld id="{BA759448-4020-4154-96C5-32359420A77A}" type="datetimeFigureOut">
               <a:rPr lang="de-CH" smtClean="0"/>
-              <a:t>30.10.2015</a:t>
+              <a:t>05.11.2015</a:t>
             </a:fld>
             <a:endParaRPr lang="de-CH"/>
           </a:p>
@@ -1781,7 +1781,7 @@
           <a:p>
             <a:fld id="{BA759448-4020-4154-96C5-32359420A77A}" type="datetimeFigureOut">
               <a:rPr lang="de-CH" smtClean="0"/>
-              <a:t>30.10.2015</a:t>
+              <a:t>05.11.2015</a:t>
             </a:fld>
             <a:endParaRPr lang="de-CH"/>
           </a:p>
@@ -1899,7 +1899,7 @@
           <a:p>
             <a:fld id="{BA759448-4020-4154-96C5-32359420A77A}" type="datetimeFigureOut">
               <a:rPr lang="de-CH" smtClean="0"/>
-              <a:t>30.10.2015</a:t>
+              <a:t>05.11.2015</a:t>
             </a:fld>
             <a:endParaRPr lang="de-CH"/>
           </a:p>
@@ -1994,7 +1994,7 @@
           <a:p>
             <a:fld id="{BA759448-4020-4154-96C5-32359420A77A}" type="datetimeFigureOut">
               <a:rPr lang="de-CH" smtClean="0"/>
-              <a:t>30.10.2015</a:t>
+              <a:t>05.11.2015</a:t>
             </a:fld>
             <a:endParaRPr lang="de-CH"/>
           </a:p>
@@ -2271,7 +2271,7 @@
           <a:p>
             <a:fld id="{BA759448-4020-4154-96C5-32359420A77A}" type="datetimeFigureOut">
               <a:rPr lang="de-CH" smtClean="0"/>
-              <a:t>30.10.2015</a:t>
+              <a:t>05.11.2015</a:t>
             </a:fld>
             <a:endParaRPr lang="de-CH"/>
           </a:p>
@@ -2524,7 +2524,7 @@
           <a:p>
             <a:fld id="{BA759448-4020-4154-96C5-32359420A77A}" type="datetimeFigureOut">
               <a:rPr lang="de-CH" smtClean="0"/>
-              <a:t>30.10.2015</a:t>
+              <a:t>05.11.2015</a:t>
             </a:fld>
             <a:endParaRPr lang="de-CH"/>
           </a:p>
@@ -2737,7 +2737,7 @@
           <a:p>
             <a:fld id="{BA759448-4020-4154-96C5-32359420A77A}" type="datetimeFigureOut">
               <a:rPr lang="de-CH" smtClean="0"/>
-              <a:t>30.10.2015</a:t>
+              <a:t>05.11.2015</a:t>
             </a:fld>
             <a:endParaRPr lang="de-CH"/>
           </a:p>
@@ -3908,12 +3908,32 @@
           <a:lstStyle/>
           <a:p>
             <a:r>
+              <a:rPr lang="de-CH" sz="1200" dirty="0" err="1"/>
+              <a:t>n</a:t>
+            </a:r>
+            <a:r>
+              <a:rPr lang="de-CH" sz="1200" dirty="0" err="1" smtClean="0"/>
+              <a:t>ewMeeting</a:t>
+            </a:r>
+            <a:r>
               <a:rPr lang="de-CH" sz="1200" dirty="0" smtClean="0"/>
-              <a:t>New Meeting (Date, Starttime, </a:t>
+              <a:t> (</a:t>
             </a:r>
             <a:r>
               <a:rPr lang="de-CH" sz="1200" dirty="0" err="1" smtClean="0"/>
-              <a:t>Endtime</a:t>
+              <a:t>startDate</a:t>
+            </a:r>
+            <a:r>
+              <a:rPr lang="de-CH" sz="1200" dirty="0" smtClean="0"/>
+              <a:t>, </a:t>
+            </a:r>
+            <a:r>
+              <a:rPr lang="de-CH" sz="1200" dirty="0" err="1"/>
+              <a:t>e</a:t>
+            </a:r>
+            <a:r>
+              <a:rPr lang="de-CH" sz="1200" dirty="0" err="1" smtClean="0"/>
+              <a:t>ndDate</a:t>
             </a:r>
             <a:r>
               <a:rPr lang="de-CH" sz="1200" dirty="0" smtClean="0"/>
@@ -3954,20 +3974,28 @@
           <a:lstStyle/>
           <a:p>
             <a:r>
+              <a:rPr lang="de-CH" sz="1200" dirty="0" err="1"/>
+              <a:t>v</a:t>
+            </a:r>
+            <a:r>
               <a:rPr lang="de-CH" sz="1200" dirty="0" err="1" smtClean="0"/>
-              <a:t>Verificate</a:t>
-            </a:r>
-            <a:r>
-              <a:rPr lang="de-CH" sz="1200" dirty="0" smtClean="0"/>
+              <a:t>erificate</a:t>
+            </a:r>
+            <a:r>
+              <a:rPr lang="de-CH" sz="1200" dirty="0"/>
               <a:t> (</a:t>
             </a:r>
             <a:r>
+              <a:rPr lang="de-CH" sz="1200" dirty="0" err="1"/>
+              <a:t>startDate</a:t>
+            </a:r>
+            <a:r>
               <a:rPr lang="de-CH" sz="1200" dirty="0"/>
-              <a:t>Date, Starttime, </a:t>
-            </a:r>
-            <a:r>
-              <a:rPr lang="de-CH" sz="1200" dirty="0" err="1"/>
-              <a:t>Endtime</a:t>
+              <a:t>, </a:t>
+            </a:r>
+            <a:r>
+              <a:rPr lang="de-CH" sz="1200" dirty="0" err="1" smtClean="0"/>
+              <a:t>endDate</a:t>
             </a:r>
             <a:r>
               <a:rPr lang="de-CH" sz="1200" dirty="0" smtClean="0"/>
@@ -4000,8 +4028,8 @@
           <a:lstStyle/>
           <a:p>
             <a:r>
-              <a:rPr lang="de-CH" sz="1200" dirty="0" smtClean="0"/>
-              <a:t>Meeting OK</a:t>
+              <a:rPr lang="de-CH" sz="1200" dirty="0" err="1" smtClean="0"/>
+              <a:t>true</a:t>
             </a:r>
             <a:endParaRPr lang="de-CH" sz="1200" dirty="0"/>
           </a:p>
@@ -4076,7 +4104,7 @@
         </p:nvSpPr>
         <p:spPr>
           <a:xfrm>
-            <a:off x="3268505" y="4111283"/>
+            <a:off x="3268505" y="3861048"/>
             <a:ext cx="1314402" cy="276999"/>
           </a:xfrm>
           <a:prstGeom prst="rect">
@@ -4106,7 +4134,7 @@
         </p:nvSpPr>
         <p:spPr>
           <a:xfrm>
-            <a:off x="3259110" y="3586555"/>
+            <a:off x="3268505" y="3356992"/>
             <a:ext cx="1314402" cy="276999"/>
           </a:xfrm>
           <a:prstGeom prst="rect">
@@ -4312,7 +4340,7 @@
         </p:nvCxnSpPr>
         <p:spPr>
           <a:xfrm flipH="1">
-            <a:off x="1484040" y="5373216"/>
+            <a:off x="1484040" y="5445224"/>
             <a:ext cx="1407478" cy="0"/>
           </a:xfrm>
           <a:prstGeom prst="straightConnector1">
@@ -4363,6 +4391,70 @@
             <a:r>
               <a:rPr lang="de-CH" sz="1200" dirty="0" smtClean="0"/>
               <a:t>Error (Time Error) </a:t>
+            </a:r>
+            <a:endParaRPr lang="de-CH" sz="1200" dirty="0"/>
+          </a:p>
+        </p:txBody>
+      </p:sp>
+      <p:cxnSp>
+        <p:nvCxnSpPr>
+          <p:cNvPr id="37" name="Gerade Verbindung mit Pfeil 36"/>
+          <p:cNvCxnSpPr/>
+          <p:nvPr/>
+        </p:nvCxnSpPr>
+        <p:spPr>
+          <a:xfrm flipH="1">
+            <a:off x="1475657" y="4365103"/>
+            <a:ext cx="1459248" cy="1"/>
+          </a:xfrm>
+          <a:prstGeom prst="straightConnector1">
+            <a:avLst/>
+          </a:prstGeom>
+          <a:ln>
+            <a:prstDash val="dash"/>
+            <a:tailEnd type="arrow"/>
+          </a:ln>
+        </p:spPr>
+        <p:style>
+          <a:lnRef idx="1">
+            <a:schemeClr val="accent1"/>
+          </a:lnRef>
+          <a:fillRef idx="0">
+            <a:schemeClr val="accent1"/>
+          </a:fillRef>
+          <a:effectRef idx="0">
+            <a:schemeClr val="accent1"/>
+          </a:effectRef>
+          <a:fontRef idx="minor">
+            <a:schemeClr val="tx1"/>
+          </a:fontRef>
+        </p:style>
+      </p:cxnSp>
+      <p:sp>
+        <p:nvSpPr>
+          <p:cNvPr id="40" name="Textfeld 39"/>
+          <p:cNvSpPr txBox="1"/>
+          <p:nvPr/>
+        </p:nvSpPr>
+        <p:spPr>
+          <a:xfrm>
+            <a:off x="1691680" y="4077072"/>
+            <a:ext cx="1314402" cy="276999"/>
+          </a:xfrm>
+          <a:prstGeom prst="rect">
+            <a:avLst/>
+          </a:prstGeom>
+          <a:noFill/>
+        </p:spPr>
+        <p:txBody>
+          <a:bodyPr wrap="square" rtlCol="0">
+            <a:spAutoFit/>
+          </a:bodyPr>
+          <a:lstStyle/>
+          <a:p>
+            <a:r>
+              <a:rPr lang="de-CH" sz="1200" dirty="0" err="1" smtClean="0"/>
+              <a:t>confirmation</a:t>
             </a:r>
             <a:endParaRPr lang="de-CH" sz="1200" dirty="0"/>
           </a:p>
@@ -4663,7 +4755,6 @@
               <a:rPr lang="de-CH" sz="1200" dirty="0" smtClean="0"/>
               <a:t>alert</a:t>
             </a:r>
-            <a:endParaRPr lang="de-CH" sz="1200" dirty="0" smtClean="0"/>
           </a:p>
         </p:txBody>
       </p:sp>
@@ -5180,16 +5271,24 @@
           <a:lstStyle/>
           <a:p>
             <a:r>
+              <a:rPr lang="de-CH" sz="1200" dirty="0" err="1" smtClean="0"/>
+              <a:t>m</a:t>
+            </a:r>
+            <a:r>
+              <a:rPr lang="de-CH" sz="1200" dirty="0" err="1" smtClean="0"/>
+              <a:t>eeting</a:t>
+            </a:r>
+            <a:r>
+              <a:rPr lang="de-CH" sz="1200" dirty="0" err="1" smtClean="0"/>
+              <a:t>S</a:t>
+            </a:r>
+            <a:r>
+              <a:rPr lang="de-CH" sz="1200" dirty="0" err="1" smtClean="0"/>
+              <a:t>oon</a:t>
+            </a:r>
+            <a:r>
               <a:rPr lang="de-CH" sz="1200" dirty="0" smtClean="0"/>
-              <a:t>Meeting </a:t>
-            </a:r>
-            <a:r>
-              <a:rPr lang="de-CH" sz="1200" dirty="0" err="1" smtClean="0"/>
-              <a:t>soon</a:t>
-            </a:r>
-            <a:r>
-              <a:rPr lang="de-CH" sz="1200" dirty="0" smtClean="0"/>
-              <a:t>?(Pull)</a:t>
+              <a:t>()</a:t>
             </a:r>
             <a:endParaRPr lang="de-CH" sz="1200" dirty="0"/>
           </a:p>
@@ -5203,8 +5302,8 @@
         </p:nvSpPr>
         <p:spPr>
           <a:xfrm>
-            <a:off x="5364088" y="1625529"/>
-            <a:ext cx="1505272" cy="646331"/>
+            <a:off x="5220072" y="1783849"/>
+            <a:ext cx="1872208" cy="276999"/>
           </a:xfrm>
           <a:prstGeom prst="rect">
             <a:avLst/>
@@ -5218,32 +5317,20 @@
           <a:lstStyle/>
           <a:p>
             <a:r>
+              <a:rPr lang="de-CH" sz="1200" dirty="0" err="1" smtClean="0"/>
+              <a:t>m</a:t>
+            </a:r>
+            <a:r>
+              <a:rPr lang="de-CH" sz="1200" dirty="0" err="1" smtClean="0"/>
+              <a:t>eetingShortly</a:t>
+            </a:r>
+            <a:r>
               <a:rPr lang="de-CH" sz="1200" dirty="0" smtClean="0"/>
-              <a:t>Meeting </a:t>
-            </a:r>
-            <a:r>
-              <a:rPr lang="de-CH" sz="1200" dirty="0" err="1" smtClean="0"/>
-              <a:t>soon</a:t>
+              <a:t>(</a:t>
             </a:r>
             <a:r>
               <a:rPr lang="de-CH" sz="1200" dirty="0" smtClean="0"/>
-              <a:t>? (</a:t>
-            </a:r>
-            <a:r>
-              <a:rPr lang="de-CH" sz="1200" dirty="0"/>
-              <a:t>Date, </a:t>
-            </a:r>
-            <a:r>
-              <a:rPr lang="de-CH" sz="1200" dirty="0" smtClean="0"/>
-              <a:t>Starttime, </a:t>
-            </a:r>
-            <a:r>
-              <a:rPr lang="de-CH" sz="1200" dirty="0" err="1" smtClean="0"/>
-              <a:t>actual</a:t>
-            </a:r>
-            <a:r>
-              <a:rPr lang="de-CH" sz="1200" dirty="0" smtClean="0"/>
-              <a:t> Time)</a:t>
+              <a:t>)</a:t>
             </a:r>
             <a:endParaRPr lang="de-CH" sz="1200" dirty="0"/>
           </a:p>
@@ -5257,7 +5344,7 @@
         </p:nvSpPr>
         <p:spPr>
           <a:xfrm>
-            <a:off x="3147435" y="2598620"/>
+            <a:off x="3147435" y="2626001"/>
             <a:ext cx="1505272" cy="276999"/>
           </a:xfrm>
           <a:prstGeom prst="rect">
@@ -5272,12 +5359,8 @@
           <a:lstStyle/>
           <a:p>
             <a:r>
-              <a:rPr lang="de-CH" sz="1200" dirty="0" smtClean="0"/>
-              <a:t>Meeting </a:t>
-            </a:r>
-            <a:r>
               <a:rPr lang="de-CH" sz="1200" dirty="0" err="1" smtClean="0"/>
-              <a:t>soon</a:t>
+              <a:t>true</a:t>
             </a:r>
             <a:endParaRPr lang="de-CH" sz="1200" dirty="0"/>
           </a:p>
@@ -5291,7 +5374,7 @@
         </p:nvSpPr>
         <p:spPr>
           <a:xfrm>
-            <a:off x="3244342" y="4930160"/>
+            <a:off x="3244342" y="4952201"/>
             <a:ext cx="1505272" cy="276999"/>
           </a:xfrm>
           <a:prstGeom prst="rect">
@@ -5307,11 +5390,11 @@
           <a:p>
             <a:r>
               <a:rPr lang="de-CH" sz="1200" dirty="0" err="1" smtClean="0"/>
-              <a:t>No</a:t>
+              <a:t>false</a:t>
             </a:r>
             <a:r>
               <a:rPr lang="de-CH" sz="1200" dirty="0" smtClean="0"/>
-              <a:t> Meeting () </a:t>
+              <a:t> </a:t>
             </a:r>
             <a:endParaRPr lang="de-CH" sz="1200" dirty="0"/>
           </a:p>
@@ -5372,8 +5455,12 @@
           <a:lstStyle/>
           <a:p>
             <a:r>
+              <a:rPr lang="de-CH" sz="1200" dirty="0"/>
+              <a:t>a</a:t>
+            </a:r>
+            <a:r>
               <a:rPr lang="de-CH" sz="1200" dirty="0" smtClean="0"/>
-              <a:t>Alert(</a:t>
+              <a:t>lert(</a:t>
             </a:r>
             <a:r>
               <a:rPr lang="de-CH" sz="1200" dirty="0" err="1" smtClean="0"/>
@@ -5381,7 +5468,15 @@
             </a:r>
             <a:r>
               <a:rPr lang="de-CH" sz="1200" dirty="0" smtClean="0"/>
-              <a:t>, time)</a:t>
+              <a:t>, </a:t>
+            </a:r>
+            <a:r>
+              <a:rPr lang="de-CH" sz="1200" dirty="0" err="1" smtClean="0"/>
+              <a:t>startDate</a:t>
+            </a:r>
+            <a:r>
+              <a:rPr lang="de-CH" sz="1200" dirty="0" smtClean="0"/>
+              <a:t>)</a:t>
             </a:r>
             <a:endParaRPr lang="de-CH" sz="1200" dirty="0"/>
           </a:p>

--- a/doc/Task07/sequenzdiagramm.pptx
+++ b/doc/Task07/sequenzdiagramm.pptx
@@ -305,9 +305,9 @@
           <a:p>
             <a:fld id="{BA759448-4020-4154-96C5-32359420A77A}" type="datetimeFigureOut">
               <a:rPr lang="de-CH" smtClean="0"/>
-              <a:t>05.11.2015</a:t>
+              <a:t>09.11.2015</a:t>
             </a:fld>
-            <a:endParaRPr lang="de-CH"/>
+            <a:endParaRPr lang="de-CH" dirty="0"/>
           </a:p>
         </p:txBody>
       </p:sp>
@@ -326,7 +326,7 @@
           <a:bodyPr/>
           <a:lstStyle/>
           <a:p>
-            <a:endParaRPr lang="de-CH"/>
+            <a:endParaRPr lang="de-CH" dirty="0"/>
           </a:p>
         </p:txBody>
       </p:sp>
@@ -349,7 +349,7 @@
               <a:rPr lang="de-CH" smtClean="0"/>
               <a:t>‹Nr.›</a:t>
             </a:fld>
-            <a:endParaRPr lang="de-CH"/>
+            <a:endParaRPr lang="de-CH" dirty="0"/>
           </a:p>
         </p:txBody>
       </p:sp>
@@ -475,9 +475,9 @@
           <a:p>
             <a:fld id="{BA759448-4020-4154-96C5-32359420A77A}" type="datetimeFigureOut">
               <a:rPr lang="de-CH" smtClean="0"/>
-              <a:t>05.11.2015</a:t>
+              <a:t>09.11.2015</a:t>
             </a:fld>
-            <a:endParaRPr lang="de-CH"/>
+            <a:endParaRPr lang="de-CH" dirty="0"/>
           </a:p>
         </p:txBody>
       </p:sp>
@@ -496,7 +496,7 @@
           <a:bodyPr/>
           <a:lstStyle/>
           <a:p>
-            <a:endParaRPr lang="de-CH"/>
+            <a:endParaRPr lang="de-CH" dirty="0"/>
           </a:p>
         </p:txBody>
       </p:sp>
@@ -519,7 +519,7 @@
               <a:rPr lang="de-CH" smtClean="0"/>
               <a:t>‹Nr.›</a:t>
             </a:fld>
-            <a:endParaRPr lang="de-CH"/>
+            <a:endParaRPr lang="de-CH" dirty="0"/>
           </a:p>
         </p:txBody>
       </p:sp>
@@ -655,9 +655,9 @@
           <a:p>
             <a:fld id="{BA759448-4020-4154-96C5-32359420A77A}" type="datetimeFigureOut">
               <a:rPr lang="de-CH" smtClean="0"/>
-              <a:t>05.11.2015</a:t>
+              <a:t>09.11.2015</a:t>
             </a:fld>
-            <a:endParaRPr lang="de-CH"/>
+            <a:endParaRPr lang="de-CH" dirty="0"/>
           </a:p>
         </p:txBody>
       </p:sp>
@@ -676,7 +676,7 @@
           <a:bodyPr/>
           <a:lstStyle/>
           <a:p>
-            <a:endParaRPr lang="de-CH"/>
+            <a:endParaRPr lang="de-CH" dirty="0"/>
           </a:p>
         </p:txBody>
       </p:sp>
@@ -699,7 +699,7 @@
               <a:rPr lang="de-CH" smtClean="0"/>
               <a:t>‹Nr.›</a:t>
             </a:fld>
-            <a:endParaRPr lang="de-CH"/>
+            <a:endParaRPr lang="de-CH" dirty="0"/>
           </a:p>
         </p:txBody>
       </p:sp>
@@ -825,9 +825,9 @@
           <a:p>
             <a:fld id="{BA759448-4020-4154-96C5-32359420A77A}" type="datetimeFigureOut">
               <a:rPr lang="de-CH" smtClean="0"/>
-              <a:t>05.11.2015</a:t>
+              <a:t>09.11.2015</a:t>
             </a:fld>
-            <a:endParaRPr lang="de-CH"/>
+            <a:endParaRPr lang="de-CH" dirty="0"/>
           </a:p>
         </p:txBody>
       </p:sp>
@@ -846,7 +846,7 @@
           <a:bodyPr/>
           <a:lstStyle/>
           <a:p>
-            <a:endParaRPr lang="de-CH"/>
+            <a:endParaRPr lang="de-CH" dirty="0"/>
           </a:p>
         </p:txBody>
       </p:sp>
@@ -869,7 +869,7 @@
               <a:rPr lang="de-CH" smtClean="0"/>
               <a:t>‹Nr.›</a:t>
             </a:fld>
-            <a:endParaRPr lang="de-CH"/>
+            <a:endParaRPr lang="de-CH" dirty="0"/>
           </a:p>
         </p:txBody>
       </p:sp>
@@ -1071,9 +1071,9 @@
           <a:p>
             <a:fld id="{BA759448-4020-4154-96C5-32359420A77A}" type="datetimeFigureOut">
               <a:rPr lang="de-CH" smtClean="0"/>
-              <a:t>05.11.2015</a:t>
+              <a:t>09.11.2015</a:t>
             </a:fld>
-            <a:endParaRPr lang="de-CH"/>
+            <a:endParaRPr lang="de-CH" dirty="0"/>
           </a:p>
         </p:txBody>
       </p:sp>
@@ -1092,7 +1092,7 @@
           <a:bodyPr/>
           <a:lstStyle/>
           <a:p>
-            <a:endParaRPr lang="de-CH"/>
+            <a:endParaRPr lang="de-CH" dirty="0"/>
           </a:p>
         </p:txBody>
       </p:sp>
@@ -1115,7 +1115,7 @@
               <a:rPr lang="de-CH" smtClean="0"/>
               <a:t>‹Nr.›</a:t>
             </a:fld>
-            <a:endParaRPr lang="de-CH"/>
+            <a:endParaRPr lang="de-CH" dirty="0"/>
           </a:p>
         </p:txBody>
       </p:sp>
@@ -1359,9 +1359,9 @@
           <a:p>
             <a:fld id="{BA759448-4020-4154-96C5-32359420A77A}" type="datetimeFigureOut">
               <a:rPr lang="de-CH" smtClean="0"/>
-              <a:t>05.11.2015</a:t>
+              <a:t>09.11.2015</a:t>
             </a:fld>
-            <a:endParaRPr lang="de-CH"/>
+            <a:endParaRPr lang="de-CH" dirty="0"/>
           </a:p>
         </p:txBody>
       </p:sp>
@@ -1380,7 +1380,7 @@
           <a:bodyPr/>
           <a:lstStyle/>
           <a:p>
-            <a:endParaRPr lang="de-CH"/>
+            <a:endParaRPr lang="de-CH" dirty="0"/>
           </a:p>
         </p:txBody>
       </p:sp>
@@ -1403,7 +1403,7 @@
               <a:rPr lang="de-CH" smtClean="0"/>
               <a:t>‹Nr.›</a:t>
             </a:fld>
-            <a:endParaRPr lang="de-CH"/>
+            <a:endParaRPr lang="de-CH" dirty="0"/>
           </a:p>
         </p:txBody>
       </p:sp>
@@ -1781,9 +1781,9 @@
           <a:p>
             <a:fld id="{BA759448-4020-4154-96C5-32359420A77A}" type="datetimeFigureOut">
               <a:rPr lang="de-CH" smtClean="0"/>
-              <a:t>05.11.2015</a:t>
+              <a:t>09.11.2015</a:t>
             </a:fld>
-            <a:endParaRPr lang="de-CH"/>
+            <a:endParaRPr lang="de-CH" dirty="0"/>
           </a:p>
         </p:txBody>
       </p:sp>
@@ -1802,7 +1802,7 @@
           <a:bodyPr/>
           <a:lstStyle/>
           <a:p>
-            <a:endParaRPr lang="de-CH"/>
+            <a:endParaRPr lang="de-CH" dirty="0"/>
           </a:p>
         </p:txBody>
       </p:sp>
@@ -1825,7 +1825,7 @@
               <a:rPr lang="de-CH" smtClean="0"/>
               <a:t>‹Nr.›</a:t>
             </a:fld>
-            <a:endParaRPr lang="de-CH"/>
+            <a:endParaRPr lang="de-CH" dirty="0"/>
           </a:p>
         </p:txBody>
       </p:sp>
@@ -1899,9 +1899,9 @@
           <a:p>
             <a:fld id="{BA759448-4020-4154-96C5-32359420A77A}" type="datetimeFigureOut">
               <a:rPr lang="de-CH" smtClean="0"/>
-              <a:t>05.11.2015</a:t>
+              <a:t>09.11.2015</a:t>
             </a:fld>
-            <a:endParaRPr lang="de-CH"/>
+            <a:endParaRPr lang="de-CH" dirty="0"/>
           </a:p>
         </p:txBody>
       </p:sp>
@@ -1920,7 +1920,7 @@
           <a:bodyPr/>
           <a:lstStyle/>
           <a:p>
-            <a:endParaRPr lang="de-CH"/>
+            <a:endParaRPr lang="de-CH" dirty="0"/>
           </a:p>
         </p:txBody>
       </p:sp>
@@ -1943,7 +1943,7 @@
               <a:rPr lang="de-CH" smtClean="0"/>
               <a:t>‹Nr.›</a:t>
             </a:fld>
-            <a:endParaRPr lang="de-CH"/>
+            <a:endParaRPr lang="de-CH" dirty="0"/>
           </a:p>
         </p:txBody>
       </p:sp>
@@ -1994,9 +1994,9 @@
           <a:p>
             <a:fld id="{BA759448-4020-4154-96C5-32359420A77A}" type="datetimeFigureOut">
               <a:rPr lang="de-CH" smtClean="0"/>
-              <a:t>05.11.2015</a:t>
+              <a:t>09.11.2015</a:t>
             </a:fld>
-            <a:endParaRPr lang="de-CH"/>
+            <a:endParaRPr lang="de-CH" dirty="0"/>
           </a:p>
         </p:txBody>
       </p:sp>
@@ -2015,7 +2015,7 @@
           <a:bodyPr/>
           <a:lstStyle/>
           <a:p>
-            <a:endParaRPr lang="de-CH"/>
+            <a:endParaRPr lang="de-CH" dirty="0"/>
           </a:p>
         </p:txBody>
       </p:sp>
@@ -2038,7 +2038,7 @@
               <a:rPr lang="de-CH" smtClean="0"/>
               <a:t>‹Nr.›</a:t>
             </a:fld>
-            <a:endParaRPr lang="de-CH"/>
+            <a:endParaRPr lang="de-CH" dirty="0"/>
           </a:p>
         </p:txBody>
       </p:sp>
@@ -2271,9 +2271,9 @@
           <a:p>
             <a:fld id="{BA759448-4020-4154-96C5-32359420A77A}" type="datetimeFigureOut">
               <a:rPr lang="de-CH" smtClean="0"/>
-              <a:t>05.11.2015</a:t>
+              <a:t>09.11.2015</a:t>
             </a:fld>
-            <a:endParaRPr lang="de-CH"/>
+            <a:endParaRPr lang="de-CH" dirty="0"/>
           </a:p>
         </p:txBody>
       </p:sp>
@@ -2292,7 +2292,7 @@
           <a:bodyPr/>
           <a:lstStyle/>
           <a:p>
-            <a:endParaRPr lang="de-CH"/>
+            <a:endParaRPr lang="de-CH" dirty="0"/>
           </a:p>
         </p:txBody>
       </p:sp>
@@ -2315,7 +2315,7 @@
               <a:rPr lang="de-CH" smtClean="0"/>
               <a:t>‹Nr.›</a:t>
             </a:fld>
-            <a:endParaRPr lang="de-CH"/>
+            <a:endParaRPr lang="de-CH" dirty="0"/>
           </a:p>
         </p:txBody>
       </p:sp>
@@ -2438,7 +2438,7 @@
             </a:lvl9pPr>
           </a:lstStyle>
           <a:p>
-            <a:endParaRPr lang="de-CH"/>
+            <a:endParaRPr lang="de-CH" dirty="0"/>
           </a:p>
         </p:txBody>
       </p:sp>
@@ -2524,9 +2524,9 @@
           <a:p>
             <a:fld id="{BA759448-4020-4154-96C5-32359420A77A}" type="datetimeFigureOut">
               <a:rPr lang="de-CH" smtClean="0"/>
-              <a:t>05.11.2015</a:t>
+              <a:t>09.11.2015</a:t>
             </a:fld>
-            <a:endParaRPr lang="de-CH"/>
+            <a:endParaRPr lang="de-CH" dirty="0"/>
           </a:p>
         </p:txBody>
       </p:sp>
@@ -2545,7 +2545,7 @@
           <a:bodyPr/>
           <a:lstStyle/>
           <a:p>
-            <a:endParaRPr lang="de-CH"/>
+            <a:endParaRPr lang="de-CH" dirty="0"/>
           </a:p>
         </p:txBody>
       </p:sp>
@@ -2568,7 +2568,7 @@
               <a:rPr lang="de-CH" smtClean="0"/>
               <a:t>‹Nr.›</a:t>
             </a:fld>
-            <a:endParaRPr lang="de-CH"/>
+            <a:endParaRPr lang="de-CH" dirty="0"/>
           </a:p>
         </p:txBody>
       </p:sp>
@@ -2737,9 +2737,9 @@
           <a:p>
             <a:fld id="{BA759448-4020-4154-96C5-32359420A77A}" type="datetimeFigureOut">
               <a:rPr lang="de-CH" smtClean="0"/>
-              <a:t>05.11.2015</a:t>
+              <a:t>09.11.2015</a:t>
             </a:fld>
-            <a:endParaRPr lang="de-CH"/>
+            <a:endParaRPr lang="de-CH" dirty="0"/>
           </a:p>
         </p:txBody>
       </p:sp>
@@ -2776,7 +2776,7 @@
             </a:lvl1pPr>
           </a:lstStyle>
           <a:p>
-            <a:endParaRPr lang="de-CH"/>
+            <a:endParaRPr lang="de-CH" dirty="0"/>
           </a:p>
         </p:txBody>
       </p:sp>
@@ -2817,7 +2817,7 @@
               <a:rPr lang="de-CH" smtClean="0"/>
               <a:t>‹Nr.›</a:t>
             </a:fld>
-            <a:endParaRPr lang="de-CH"/>
+            <a:endParaRPr lang="de-CH" dirty="0"/>
           </a:p>
         </p:txBody>
       </p:sp>
@@ -3181,7 +3181,7 @@
           <a:lstStyle/>
           <a:p>
             <a:pPr algn="ctr"/>
-            <a:endParaRPr lang="de-CH"/>
+            <a:endParaRPr lang="de-CH" dirty="0"/>
           </a:p>
         </p:txBody>
       </p:sp>
@@ -3302,7 +3302,7 @@
           <a:lstStyle/>
           <a:p>
             <a:pPr algn="ctr"/>
-            <a:endParaRPr lang="de-CH"/>
+            <a:endParaRPr lang="de-CH" dirty="0"/>
           </a:p>
         </p:txBody>
       </p:sp>
@@ -3395,12 +3395,8 @@
               <a:t>[</a:t>
             </a:r>
             <a:r>
-              <a:rPr lang="de-CH" sz="1200" dirty="0" err="1" smtClean="0"/>
-              <a:t>verification</a:t>
-            </a:r>
-            <a:r>
               <a:rPr lang="de-CH" sz="1200" dirty="0" smtClean="0"/>
-              <a:t> OK] </a:t>
+              <a:t>verification OK] </a:t>
             </a:r>
             <a:endParaRPr lang="de-CH" sz="1200" dirty="0"/>
           </a:p>
@@ -3585,7 +3581,7 @@
           <a:lstStyle/>
           <a:p>
             <a:pPr algn="ctr"/>
-            <a:endParaRPr lang="de-CH"/>
+            <a:endParaRPr lang="de-CH" dirty="0"/>
           </a:p>
         </p:txBody>
       </p:sp>
@@ -3776,20 +3772,8 @@
               <a:t>[</a:t>
             </a:r>
             <a:r>
-              <a:rPr lang="de-CH" sz="1200" dirty="0" err="1" smtClean="0"/>
-              <a:t>verification</a:t>
-            </a:r>
-            <a:r>
               <a:rPr lang="de-CH" sz="1200" dirty="0" smtClean="0"/>
-              <a:t> </a:t>
-            </a:r>
-            <a:r>
-              <a:rPr lang="de-CH" sz="1200" dirty="0" err="1" smtClean="0"/>
-              <a:t>fail</a:t>
-            </a:r>
-            <a:r>
-              <a:rPr lang="de-CH" sz="1200" dirty="0" smtClean="0"/>
-              <a:t>] </a:t>
+              <a:t>verification fail] </a:t>
             </a:r>
             <a:endParaRPr lang="de-CH" sz="1200" dirty="0"/>
           </a:p>
@@ -3837,7 +3821,7 @@
           <a:lstStyle/>
           <a:p>
             <a:pPr algn="ctr"/>
-            <a:endParaRPr lang="de-CH"/>
+            <a:endParaRPr lang="de-CH" dirty="0"/>
           </a:p>
         </p:txBody>
       </p:sp>
@@ -3908,44 +3892,20 @@
           <a:lstStyle/>
           <a:p>
             <a:r>
-              <a:rPr lang="de-CH" sz="1200" dirty="0" err="1"/>
+              <a:rPr lang="de-CH" sz="1200" dirty="0"/>
               <a:t>n</a:t>
             </a:r>
             <a:r>
-              <a:rPr lang="de-CH" sz="1200" dirty="0" err="1" smtClean="0"/>
-              <a:t>ewMeeting</a:t>
-            </a:r>
-            <a:r>
               <a:rPr lang="de-CH" sz="1200" dirty="0" smtClean="0"/>
-              <a:t> (</a:t>
-            </a:r>
-            <a:r>
-              <a:rPr lang="de-CH" sz="1200" dirty="0" err="1" smtClean="0"/>
-              <a:t>startDate</a:t>
+              <a:t>ewMeeting (startDate, </a:t>
+            </a:r>
+            <a:r>
+              <a:rPr lang="de-CH" sz="1200" dirty="0"/>
+              <a:t>e</a:t>
             </a:r>
             <a:r>
               <a:rPr lang="de-CH" sz="1200" dirty="0" smtClean="0"/>
-              <a:t>, </a:t>
-            </a:r>
-            <a:r>
-              <a:rPr lang="de-CH" sz="1200" dirty="0" err="1"/>
-              <a:t>e</a:t>
-            </a:r>
-            <a:r>
-              <a:rPr lang="de-CH" sz="1200" dirty="0" err="1" smtClean="0"/>
-              <a:t>ndDate</a:t>
-            </a:r>
-            <a:r>
-              <a:rPr lang="de-CH" sz="1200" dirty="0" smtClean="0"/>
-              <a:t>, </a:t>
-            </a:r>
-            <a:r>
-              <a:rPr lang="de-CH" sz="1200" dirty="0" err="1" smtClean="0"/>
-              <a:t>content</a:t>
-            </a:r>
-            <a:r>
-              <a:rPr lang="de-CH" sz="1200" dirty="0" smtClean="0"/>
-              <a:t>)</a:t>
+              <a:t>ndDate, content)</a:t>
             </a:r>
             <a:endParaRPr lang="de-CH" sz="1200" dirty="0"/>
           </a:p>
@@ -3959,7 +3919,7 @@
         </p:nvSpPr>
         <p:spPr>
           <a:xfrm>
-            <a:off x="5436096" y="2177324"/>
+            <a:off x="5292080" y="1893011"/>
             <a:ext cx="1505272" cy="461665"/>
           </a:xfrm>
           <a:prstGeom prst="rect">
@@ -3974,32 +3934,20 @@
           <a:lstStyle/>
           <a:p>
             <a:r>
-              <a:rPr lang="de-CH" sz="1200" dirty="0" err="1"/>
+              <a:rPr lang="de-CH" sz="1200" dirty="0"/>
               <a:t>v</a:t>
             </a:r>
             <a:r>
-              <a:rPr lang="de-CH" sz="1200" dirty="0" err="1" smtClean="0"/>
+              <a:rPr lang="de-CH" sz="1200" dirty="0" smtClean="0"/>
               <a:t>erificate</a:t>
             </a:r>
             <a:r>
               <a:rPr lang="de-CH" sz="1200" dirty="0"/>
-              <a:t> (</a:t>
-            </a:r>
-            <a:r>
-              <a:rPr lang="de-CH" sz="1200" dirty="0" err="1"/>
-              <a:t>startDate</a:t>
-            </a:r>
-            <a:r>
-              <a:rPr lang="de-CH" sz="1200" dirty="0"/>
-              <a:t>, </a:t>
-            </a:r>
-            <a:r>
-              <a:rPr lang="de-CH" sz="1200" dirty="0" err="1" smtClean="0"/>
-              <a:t>endDate</a:t>
+              <a:t> (startDate, </a:t>
             </a:r>
             <a:r>
               <a:rPr lang="de-CH" sz="1200" dirty="0" smtClean="0"/>
-              <a:t>)</a:t>
+              <a:t>endDate)</a:t>
             </a:r>
             <a:endParaRPr lang="de-CH" sz="1200" dirty="0"/>
           </a:p>
@@ -4028,7 +3976,7 @@
           <a:lstStyle/>
           <a:p>
             <a:r>
-              <a:rPr lang="de-CH" sz="1200" dirty="0" err="1" smtClean="0"/>
+              <a:rPr lang="de-CH" sz="1200" dirty="0" smtClean="0"/>
               <a:t>true</a:t>
             </a:r>
             <a:endParaRPr lang="de-CH" sz="1200" dirty="0"/>
@@ -4119,7 +4067,7 @@
           <a:lstStyle/>
           <a:p>
             <a:r>
-              <a:rPr lang="de-CH" sz="1200" dirty="0" err="1" smtClean="0"/>
+              <a:rPr lang="de-CH" sz="1200" dirty="0" smtClean="0"/>
               <a:t>confirmation</a:t>
             </a:r>
             <a:endParaRPr lang="de-CH" sz="1200" dirty="0"/>
@@ -4198,8 +4146,8 @@
         </p:nvSpPr>
         <p:spPr>
           <a:xfrm>
-            <a:off x="4893762" y="2204864"/>
-            <a:ext cx="182122" cy="417454"/>
+            <a:off x="4893762" y="2219458"/>
+            <a:ext cx="218298" cy="417454"/>
           </a:xfrm>
           <a:prstGeom prst="rect">
             <a:avLst/>
@@ -4226,27 +4174,216 @@
           <a:lstStyle/>
           <a:p>
             <a:pPr algn="ctr"/>
-            <a:endParaRPr lang="de-CH"/>
+            <a:endParaRPr lang="de-CH" dirty="0"/>
           </a:p>
         </p:txBody>
       </p:sp>
       <p:cxnSp>
         <p:nvCxnSpPr>
-          <p:cNvPr id="26" name="Gewinkelte Verbindung 25"/>
-          <p:cNvCxnSpPr>
-            <a:endCxn id="35" idx="3"/>
-          </p:cNvCxnSpPr>
+          <p:cNvPr id="66" name="Gerade Verbindung mit Pfeil 65"/>
+          <p:cNvCxnSpPr/>
           <p:nvPr/>
         </p:nvCxnSpPr>
         <p:spPr>
-          <a:xfrm rot="16200000" flipH="1">
-            <a:off x="4745970" y="2083676"/>
-            <a:ext cx="568767" cy="91061"/>
-          </a:xfrm>
-          <a:prstGeom prst="bentConnector4">
+          <a:xfrm flipH="1">
+            <a:off x="3048817" y="2780928"/>
+            <a:ext cx="1727153" cy="1"/>
+          </a:xfrm>
+          <a:prstGeom prst="straightConnector1">
+            <a:avLst/>
+          </a:prstGeom>
+          <a:ln>
+            <a:prstDash val="dash"/>
+            <a:tailEnd type="arrow"/>
+          </a:ln>
+        </p:spPr>
+        <p:style>
+          <a:lnRef idx="1">
+            <a:schemeClr val="accent1"/>
+          </a:lnRef>
+          <a:fillRef idx="0">
+            <a:schemeClr val="accent1"/>
+          </a:fillRef>
+          <a:effectRef idx="0">
+            <a:schemeClr val="accent1"/>
+          </a:effectRef>
+          <a:fontRef idx="minor">
+            <a:schemeClr val="tx1"/>
+          </a:fontRef>
+        </p:style>
+      </p:cxnSp>
+      <p:sp>
+        <p:nvSpPr>
+          <p:cNvPr id="67" name="Textfeld 66"/>
+          <p:cNvSpPr txBox="1"/>
+          <p:nvPr/>
+        </p:nvSpPr>
+        <p:spPr>
+          <a:xfrm>
+            <a:off x="3436168" y="2570420"/>
+            <a:ext cx="1394922" cy="276999"/>
+          </a:xfrm>
+          <a:prstGeom prst="rect">
+            <a:avLst/>
+          </a:prstGeom>
+          <a:noFill/>
+        </p:spPr>
+        <p:txBody>
+          <a:bodyPr wrap="square" rtlCol="0">
+            <a:spAutoFit/>
+          </a:bodyPr>
+          <a:lstStyle/>
+          <a:p>
+            <a:r>
+              <a:rPr lang="de-CH" sz="1200" dirty="0"/>
+              <a:t>verified</a:t>
+            </a:r>
+            <a:endParaRPr lang="de-CH" sz="1200" dirty="0"/>
+          </a:p>
+        </p:txBody>
+      </p:sp>
+      <p:cxnSp>
+        <p:nvCxnSpPr>
+          <p:cNvPr id="74" name="Gerade Verbindung mit Pfeil 73"/>
+          <p:cNvCxnSpPr/>
+          <p:nvPr/>
+        </p:nvCxnSpPr>
+        <p:spPr>
+          <a:xfrm flipH="1">
+            <a:off x="1484040" y="5445224"/>
+            <a:ext cx="1407478" cy="0"/>
+          </a:xfrm>
+          <a:prstGeom prst="straightConnector1">
+            <a:avLst/>
+          </a:prstGeom>
+          <a:ln>
+            <a:prstDash val="dash"/>
+            <a:tailEnd type="arrow"/>
+          </a:ln>
+        </p:spPr>
+        <p:style>
+          <a:lnRef idx="1">
+            <a:schemeClr val="accent1"/>
+          </a:lnRef>
+          <a:fillRef idx="0">
+            <a:schemeClr val="accent1"/>
+          </a:fillRef>
+          <a:effectRef idx="0">
+            <a:schemeClr val="accent1"/>
+          </a:effectRef>
+          <a:fontRef idx="minor">
+            <a:schemeClr val="tx1"/>
+          </a:fontRef>
+        </p:style>
+      </p:cxnSp>
+      <p:sp>
+        <p:nvSpPr>
+          <p:cNvPr id="75" name="Textfeld 74"/>
+          <p:cNvSpPr txBox="1"/>
+          <p:nvPr/>
+        </p:nvSpPr>
+        <p:spPr>
+          <a:xfrm>
+            <a:off x="1554560" y="5157192"/>
+            <a:ext cx="1505272" cy="276999"/>
+          </a:xfrm>
+          <a:prstGeom prst="rect">
+            <a:avLst/>
+          </a:prstGeom>
+          <a:noFill/>
+        </p:spPr>
+        <p:txBody>
+          <a:bodyPr wrap="square" rtlCol="0">
+            <a:spAutoFit/>
+          </a:bodyPr>
+          <a:lstStyle/>
+          <a:p>
+            <a:r>
+              <a:rPr lang="de-CH" sz="1200" dirty="0" smtClean="0"/>
+              <a:t>Error (Time Error) </a:t>
+            </a:r>
+            <a:endParaRPr lang="de-CH" sz="1200" dirty="0"/>
+          </a:p>
+        </p:txBody>
+      </p:sp>
+      <p:cxnSp>
+        <p:nvCxnSpPr>
+          <p:cNvPr id="37" name="Gerade Verbindung mit Pfeil 36"/>
+          <p:cNvCxnSpPr/>
+          <p:nvPr/>
+        </p:nvCxnSpPr>
+        <p:spPr>
+          <a:xfrm flipH="1">
+            <a:off x="1475657" y="4365103"/>
+            <a:ext cx="1459248" cy="1"/>
+          </a:xfrm>
+          <a:prstGeom prst="straightConnector1">
+            <a:avLst/>
+          </a:prstGeom>
+          <a:ln>
+            <a:prstDash val="dash"/>
+            <a:tailEnd type="arrow"/>
+          </a:ln>
+        </p:spPr>
+        <p:style>
+          <a:lnRef idx="1">
+            <a:schemeClr val="accent1"/>
+          </a:lnRef>
+          <a:fillRef idx="0">
+            <a:schemeClr val="accent1"/>
+          </a:fillRef>
+          <a:effectRef idx="0">
+            <a:schemeClr val="accent1"/>
+          </a:effectRef>
+          <a:fontRef idx="minor">
+            <a:schemeClr val="tx1"/>
+          </a:fontRef>
+        </p:style>
+      </p:cxnSp>
+      <p:sp>
+        <p:nvSpPr>
+          <p:cNvPr id="40" name="Textfeld 39"/>
+          <p:cNvSpPr txBox="1"/>
+          <p:nvPr/>
+        </p:nvSpPr>
+        <p:spPr>
+          <a:xfrm>
+            <a:off x="1691680" y="4077072"/>
+            <a:ext cx="1314402" cy="276999"/>
+          </a:xfrm>
+          <a:prstGeom prst="rect">
+            <a:avLst/>
+          </a:prstGeom>
+          <a:noFill/>
+        </p:spPr>
+        <p:txBody>
+          <a:bodyPr wrap="square" rtlCol="0">
+            <a:spAutoFit/>
+          </a:bodyPr>
+          <a:lstStyle/>
+          <a:p>
+            <a:r>
+              <a:rPr lang="de-CH" sz="1200" dirty="0" smtClean="0"/>
+              <a:t>confirmation</a:t>
+            </a:r>
+            <a:endParaRPr lang="de-CH" sz="1200" dirty="0"/>
+          </a:p>
+        </p:txBody>
+      </p:sp>
+      <p:cxnSp>
+        <p:nvCxnSpPr>
+          <p:cNvPr id="9" name="Gewinkelte Verbindung 8"/>
+          <p:cNvCxnSpPr/>
+          <p:nvPr/>
+        </p:nvCxnSpPr>
+        <p:spPr>
+          <a:xfrm>
+            <a:off x="4784845" y="1988840"/>
+            <a:ext cx="324878" cy="302629"/>
+          </a:xfrm>
+          <a:prstGeom prst="bentConnector3">
             <a:avLst>
-              <a:gd name="adj1" fmla="val 31651"/>
-              <a:gd name="adj2" fmla="val 351041"/>
+              <a:gd name="adj1" fmla="val 136388"/>
             </a:avLst>
           </a:prstGeom>
           <a:ln>
@@ -4270,17 +4407,19 @@
       </p:cxnSp>
       <p:cxnSp>
         <p:nvCxnSpPr>
-          <p:cNvPr id="66" name="Gerade Verbindung mit Pfeil 65"/>
+          <p:cNvPr id="58" name="Gewinkelte Verbindung 57"/>
           <p:cNvCxnSpPr/>
           <p:nvPr/>
         </p:nvCxnSpPr>
         <p:spPr>
-          <a:xfrm flipH="1">
-            <a:off x="3048817" y="2780928"/>
-            <a:ext cx="1727153" cy="1"/>
-          </a:xfrm>
-          <a:prstGeom prst="straightConnector1">
-            <a:avLst/>
+          <a:xfrm rot="10800000" flipV="1">
+            <a:off x="4932040" y="2622316"/>
+            <a:ext cx="216024" cy="173207"/>
+          </a:xfrm>
+          <a:prstGeom prst="bentConnector3">
+            <a:avLst>
+              <a:gd name="adj1" fmla="val -38010"/>
+            </a:avLst>
           </a:prstGeom>
           <a:ln>
             <a:prstDash val="dash"/>
@@ -4304,13 +4443,13 @@
       </p:cxnSp>
       <p:sp>
         <p:nvSpPr>
-          <p:cNvPr id="67" name="Textfeld 66"/>
+          <p:cNvPr id="70" name="Textfeld 69"/>
           <p:cNvSpPr txBox="1"/>
           <p:nvPr/>
         </p:nvSpPr>
         <p:spPr>
           <a:xfrm>
-            <a:off x="3268505" y="2483818"/>
+            <a:off x="5193302" y="2575937"/>
             <a:ext cx="1394922" cy="276999"/>
           </a:xfrm>
           <a:prstGeom prst="rect">
@@ -4325,136 +4464,8 @@
           <a:lstStyle/>
           <a:p>
             <a:r>
-              <a:rPr lang="de-CH" sz="1200" dirty="0" err="1" smtClean="0"/>
-              <a:t>verification</a:t>
-            </a:r>
-            <a:endParaRPr lang="de-CH" sz="1200" dirty="0"/>
-          </a:p>
-        </p:txBody>
-      </p:sp>
-      <p:cxnSp>
-        <p:nvCxnSpPr>
-          <p:cNvPr id="74" name="Gerade Verbindung mit Pfeil 73"/>
-          <p:cNvCxnSpPr/>
-          <p:nvPr/>
-        </p:nvCxnSpPr>
-        <p:spPr>
-          <a:xfrm flipH="1">
-            <a:off x="1484040" y="5445224"/>
-            <a:ext cx="1407478" cy="0"/>
-          </a:xfrm>
-          <a:prstGeom prst="straightConnector1">
-            <a:avLst/>
-          </a:prstGeom>
-          <a:ln>
-            <a:prstDash val="dash"/>
-            <a:tailEnd type="arrow"/>
-          </a:ln>
-        </p:spPr>
-        <p:style>
-          <a:lnRef idx="1">
-            <a:schemeClr val="accent1"/>
-          </a:lnRef>
-          <a:fillRef idx="0">
-            <a:schemeClr val="accent1"/>
-          </a:fillRef>
-          <a:effectRef idx="0">
-            <a:schemeClr val="accent1"/>
-          </a:effectRef>
-          <a:fontRef idx="minor">
-            <a:schemeClr val="tx1"/>
-          </a:fontRef>
-        </p:style>
-      </p:cxnSp>
-      <p:sp>
-        <p:nvSpPr>
-          <p:cNvPr id="75" name="Textfeld 74"/>
-          <p:cNvSpPr txBox="1"/>
-          <p:nvPr/>
-        </p:nvSpPr>
-        <p:spPr>
-          <a:xfrm>
-            <a:off x="1554560" y="5157192"/>
-            <a:ext cx="1505272" cy="276999"/>
-          </a:xfrm>
-          <a:prstGeom prst="rect">
-            <a:avLst/>
-          </a:prstGeom>
-          <a:noFill/>
-        </p:spPr>
-        <p:txBody>
-          <a:bodyPr wrap="square" rtlCol="0">
-            <a:spAutoFit/>
-          </a:bodyPr>
-          <a:lstStyle/>
-          <a:p>
-            <a:r>
-              <a:rPr lang="de-CH" sz="1200" dirty="0" smtClean="0"/>
-              <a:t>Error (Time Error) </a:t>
-            </a:r>
-            <a:endParaRPr lang="de-CH" sz="1200" dirty="0"/>
-          </a:p>
-        </p:txBody>
-      </p:sp>
-      <p:cxnSp>
-        <p:nvCxnSpPr>
-          <p:cNvPr id="37" name="Gerade Verbindung mit Pfeil 36"/>
-          <p:cNvCxnSpPr/>
-          <p:nvPr/>
-        </p:nvCxnSpPr>
-        <p:spPr>
-          <a:xfrm flipH="1">
-            <a:off x="1475657" y="4365103"/>
-            <a:ext cx="1459248" cy="1"/>
-          </a:xfrm>
-          <a:prstGeom prst="straightConnector1">
-            <a:avLst/>
-          </a:prstGeom>
-          <a:ln>
-            <a:prstDash val="dash"/>
-            <a:tailEnd type="arrow"/>
-          </a:ln>
-        </p:spPr>
-        <p:style>
-          <a:lnRef idx="1">
-            <a:schemeClr val="accent1"/>
-          </a:lnRef>
-          <a:fillRef idx="0">
-            <a:schemeClr val="accent1"/>
-          </a:fillRef>
-          <a:effectRef idx="0">
-            <a:schemeClr val="accent1"/>
-          </a:effectRef>
-          <a:fontRef idx="minor">
-            <a:schemeClr val="tx1"/>
-          </a:fontRef>
-        </p:style>
-      </p:cxnSp>
-      <p:sp>
-        <p:nvSpPr>
-          <p:cNvPr id="40" name="Textfeld 39"/>
-          <p:cNvSpPr txBox="1"/>
-          <p:nvPr/>
-        </p:nvSpPr>
-        <p:spPr>
-          <a:xfrm>
-            <a:off x="1691680" y="4077072"/>
-            <a:ext cx="1314402" cy="276999"/>
-          </a:xfrm>
-          <a:prstGeom prst="rect">
-            <a:avLst/>
-          </a:prstGeom>
-          <a:noFill/>
-        </p:spPr>
-        <p:txBody>
-          <a:bodyPr wrap="square" rtlCol="0">
-            <a:spAutoFit/>
-          </a:bodyPr>
-          <a:lstStyle/>
-          <a:p>
-            <a:r>
-              <a:rPr lang="de-CH" sz="1200" dirty="0" err="1" smtClean="0"/>
-              <a:t>confirmation</a:t>
+              <a:rPr lang="de-CH" sz="1200" dirty="0"/>
+              <a:t>verified</a:t>
             </a:r>
             <a:endParaRPr lang="de-CH" sz="1200" dirty="0"/>
           </a:p>
@@ -4566,7 +4577,7 @@
           <a:lstStyle/>
           <a:p>
             <a:pPr algn="ctr"/>
-            <a:endParaRPr lang="de-CH"/>
+            <a:endParaRPr lang="de-CH" dirty="0"/>
           </a:p>
         </p:txBody>
       </p:sp>
@@ -4660,7 +4671,7 @@
         <p:spPr>
           <a:xfrm>
             <a:off x="2934905" y="1268760"/>
-            <a:ext cx="118550" cy="5184576"/>
+            <a:ext cx="118550" cy="3960440"/>
           </a:xfrm>
           <a:prstGeom prst="rect">
             <a:avLst/>
@@ -4687,7 +4698,7 @@
           <a:lstStyle/>
           <a:p>
             <a:pPr algn="ctr"/>
-            <a:endParaRPr lang="de-CH"/>
+            <a:endParaRPr lang="de-CH" dirty="0"/>
           </a:p>
         </p:txBody>
       </p:sp>
@@ -4715,15 +4726,7 @@
           <a:p>
             <a:r>
               <a:rPr lang="de-CH" sz="1200" dirty="0" smtClean="0"/>
-              <a:t>[Meeting </a:t>
-            </a:r>
-            <a:r>
-              <a:rPr lang="de-CH" sz="1200" dirty="0" err="1" smtClean="0"/>
-              <a:t>soon</a:t>
-            </a:r>
-            <a:r>
-              <a:rPr lang="de-CH" sz="1200" dirty="0" smtClean="0"/>
-              <a:t>] </a:t>
+              <a:t>[Meeting soon] </a:t>
             </a:r>
             <a:endParaRPr lang="de-CH" sz="1200" dirty="0"/>
           </a:p>
@@ -4908,7 +4911,7 @@
           <a:lstStyle/>
           <a:p>
             <a:pPr algn="ctr"/>
-            <a:endParaRPr lang="de-CH"/>
+            <a:endParaRPr lang="de-CH" dirty="0"/>
           </a:p>
         </p:txBody>
       </p:sp>
@@ -4921,7 +4924,7 @@
         <p:spPr>
           <a:xfrm>
             <a:off x="4860032" y="2132856"/>
-            <a:ext cx="142983" cy="418095"/>
+            <a:ext cx="180020" cy="216024"/>
           </a:xfrm>
           <a:prstGeom prst="rect">
             <a:avLst/>
@@ -4948,7 +4951,7 @@
           <a:lstStyle/>
           <a:p>
             <a:pPr algn="ctr"/>
-            <a:endParaRPr lang="de-CH"/>
+            <a:endParaRPr lang="de-CH" dirty="0"/>
           </a:p>
         </p:txBody>
       </p:sp>
@@ -5001,6 +5004,7 @@
             <a:avLst/>
           </a:prstGeom>
           <a:ln>
+            <a:prstDash val="dash"/>
             <a:tailEnd type="arrow"/>
           </a:ln>
         </p:spPr>
@@ -5136,23 +5140,7 @@
           <a:p>
             <a:r>
               <a:rPr lang="de-CH" sz="1200" dirty="0" smtClean="0"/>
-              <a:t>[</a:t>
-            </a:r>
-            <a:r>
-              <a:rPr lang="de-CH" sz="1200" dirty="0" err="1" smtClean="0"/>
-              <a:t>no</a:t>
-            </a:r>
-            <a:r>
-              <a:rPr lang="de-CH" sz="1200" dirty="0" smtClean="0"/>
-              <a:t> Meeting </a:t>
-            </a:r>
-            <a:r>
-              <a:rPr lang="de-CH" sz="1200" dirty="0" err="1" smtClean="0"/>
-              <a:t>soon</a:t>
-            </a:r>
-            <a:r>
-              <a:rPr lang="de-CH" sz="1200" dirty="0" smtClean="0"/>
-              <a:t>] </a:t>
+              <a:t>[no Meeting soon] </a:t>
             </a:r>
             <a:endParaRPr lang="de-CH" sz="1200" dirty="0"/>
           </a:p>
@@ -5200,7 +5188,7 @@
           <a:lstStyle/>
           <a:p>
             <a:pPr algn="ctr"/>
-            <a:endParaRPr lang="de-CH"/>
+            <a:endParaRPr lang="de-CH" dirty="0"/>
           </a:p>
         </p:txBody>
       </p:sp>
@@ -5271,24 +5259,8 @@
           <a:lstStyle/>
           <a:p>
             <a:r>
-              <a:rPr lang="de-CH" sz="1200" dirty="0" err="1" smtClean="0"/>
-              <a:t>m</a:t>
-            </a:r>
-            <a:r>
-              <a:rPr lang="de-CH" sz="1200" dirty="0" err="1" smtClean="0"/>
-              <a:t>eeting</a:t>
-            </a:r>
-            <a:r>
-              <a:rPr lang="de-CH" sz="1200" dirty="0" err="1" smtClean="0"/>
-              <a:t>S</a:t>
-            </a:r>
-            <a:r>
-              <a:rPr lang="de-CH" sz="1200" dirty="0" err="1" smtClean="0"/>
-              <a:t>oon</a:t>
-            </a:r>
-            <a:r>
               <a:rPr lang="de-CH" sz="1200" dirty="0" smtClean="0"/>
-              <a:t>()</a:t>
+              <a:t>meetingSoon()</a:t>
             </a:r>
             <a:endParaRPr lang="de-CH" sz="1200" dirty="0"/>
           </a:p>
@@ -5317,20 +5289,8 @@
           <a:lstStyle/>
           <a:p>
             <a:r>
-              <a:rPr lang="de-CH" sz="1200" dirty="0" err="1" smtClean="0"/>
-              <a:t>m</a:t>
-            </a:r>
-            <a:r>
-              <a:rPr lang="de-CH" sz="1200" dirty="0" err="1" smtClean="0"/>
-              <a:t>eetingShortly</a:t>
-            </a:r>
-            <a:r>
               <a:rPr lang="de-CH" sz="1200" dirty="0" smtClean="0"/>
-              <a:t>(</a:t>
-            </a:r>
-            <a:r>
-              <a:rPr lang="de-CH" sz="1200" dirty="0" smtClean="0"/>
-              <a:t>)</a:t>
+              <a:t>meetingShortly()</a:t>
             </a:r>
             <a:endParaRPr lang="de-CH" sz="1200" dirty="0"/>
           </a:p>
@@ -5359,7 +5319,7 @@
           <a:lstStyle/>
           <a:p>
             <a:r>
-              <a:rPr lang="de-CH" sz="1200" dirty="0" err="1" smtClean="0"/>
+              <a:rPr lang="de-CH" sz="1200" dirty="0" smtClean="0"/>
               <a:t>true</a:t>
             </a:r>
             <a:endParaRPr lang="de-CH" sz="1200" dirty="0"/>
@@ -5389,12 +5349,8 @@
           <a:lstStyle/>
           <a:p>
             <a:r>
-              <a:rPr lang="de-CH" sz="1200" dirty="0" err="1" smtClean="0"/>
-              <a:t>false</a:t>
-            </a:r>
-            <a:r>
               <a:rPr lang="de-CH" sz="1200" dirty="0" smtClean="0"/>
-              <a:t> </a:t>
+              <a:t>false </a:t>
             </a:r>
             <a:endParaRPr lang="de-CH" sz="1200" dirty="0"/>
           </a:p>
@@ -5440,7 +5396,7 @@
         </p:nvSpPr>
         <p:spPr>
           <a:xfrm>
-            <a:off x="1582910" y="3393166"/>
+            <a:off x="1582910" y="3436078"/>
             <a:ext cx="1314402" cy="461665"/>
           </a:xfrm>
           <a:prstGeom prst="rect">
@@ -5460,23 +5416,7 @@
             </a:r>
             <a:r>
               <a:rPr lang="de-CH" sz="1200" dirty="0" smtClean="0"/>
-              <a:t>lert(</a:t>
-            </a:r>
-            <a:r>
-              <a:rPr lang="de-CH" sz="1200" dirty="0" err="1" smtClean="0"/>
-              <a:t>content</a:t>
-            </a:r>
-            <a:r>
-              <a:rPr lang="de-CH" sz="1200" dirty="0" smtClean="0"/>
-              <a:t>, </a:t>
-            </a:r>
-            <a:r>
-              <a:rPr lang="de-CH" sz="1200" dirty="0" err="1" smtClean="0"/>
-              <a:t>startDate</a:t>
-            </a:r>
-            <a:r>
-              <a:rPr lang="de-CH" sz="1200" dirty="0" smtClean="0"/>
-              <a:t>)</a:t>
+              <a:t>lert(content, startDate)</a:t>
             </a:r>
             <a:endParaRPr lang="de-CH" sz="1200" dirty="0"/>
           </a:p>
@@ -5518,6 +5458,72 @@
           </a:fontRef>
         </p:style>
       </p:cxnSp>
+      <p:cxnSp>
+        <p:nvCxnSpPr>
+          <p:cNvPr id="33" name="Gewinkelte Verbindung 32"/>
+          <p:cNvCxnSpPr/>
+          <p:nvPr/>
+        </p:nvCxnSpPr>
+        <p:spPr>
+          <a:xfrm rot="10800000" flipV="1">
+            <a:off x="4932040" y="2348880"/>
+            <a:ext cx="216024" cy="173207"/>
+          </a:xfrm>
+          <a:prstGeom prst="bentConnector3">
+            <a:avLst>
+              <a:gd name="adj1" fmla="val -38010"/>
+            </a:avLst>
+          </a:prstGeom>
+          <a:ln>
+            <a:prstDash val="dash"/>
+            <a:tailEnd type="arrow"/>
+          </a:ln>
+        </p:spPr>
+        <p:style>
+          <a:lnRef idx="1">
+            <a:schemeClr val="accent1"/>
+          </a:lnRef>
+          <a:fillRef idx="0">
+            <a:schemeClr val="accent1"/>
+          </a:fillRef>
+          <a:effectRef idx="0">
+            <a:schemeClr val="accent1"/>
+          </a:effectRef>
+          <a:fontRef idx="minor">
+            <a:schemeClr val="tx1"/>
+          </a:fontRef>
+        </p:style>
+      </p:cxnSp>
+      <p:sp>
+        <p:nvSpPr>
+          <p:cNvPr id="34" name="Textfeld 33"/>
+          <p:cNvSpPr txBox="1"/>
+          <p:nvPr/>
+        </p:nvSpPr>
+        <p:spPr>
+          <a:xfrm>
+            <a:off x="5220072" y="2276872"/>
+            <a:ext cx="1872208" cy="276999"/>
+          </a:xfrm>
+          <a:prstGeom prst="rect">
+            <a:avLst/>
+          </a:prstGeom>
+          <a:noFill/>
+        </p:spPr>
+        <p:txBody>
+          <a:bodyPr wrap="square" rtlCol="0">
+            <a:spAutoFit/>
+          </a:bodyPr>
+          <a:lstStyle/>
+          <a:p>
+            <a:r>
+              <a:rPr lang="de-CH" sz="1200" dirty="0" smtClean="0"/>
+              <a:t>boolean</a:t>
+            </a:r>
+            <a:endParaRPr lang="de-CH" sz="1200" dirty="0"/>
+          </a:p>
+        </p:txBody>
+      </p:sp>
     </p:spTree>
     <p:extLst>
       <p:ext uri="{BB962C8B-B14F-4D97-AF65-F5344CB8AC3E}">
